--- a/training-cards/music moves/Scrum (SCR)/ger/apprentice/ger_SCR_05_Plan_Deinen_Sprint_MM_A.pptx
+++ b/training-cards/music moves/Scrum (SCR)/ger/apprentice/ger_SCR_05_Plan_Deinen_Sprint_MM_A.pptx
@@ -162,10 +162,9 @@
           <a:lstStyle/>
           <a:p>
             <a:r>
-              <a:rPr lang="de-DE" smtClean="0"/>
+              <a:rPr lang="de-DE"/>
               <a:t>Mastertitelformat bearbeiten</a:t>
             </a:r>
-            <a:endParaRPr lang="de-DE"/>
           </a:p>
         </p:txBody>
       </p:sp>
@@ -281,10 +280,9 @@
           </a:lstStyle>
           <a:p>
             <a:r>
-              <a:rPr lang="de-DE" smtClean="0"/>
+              <a:rPr lang="de-DE"/>
               <a:t>Master-Untertitelformat bearbeiten</a:t>
             </a:r>
-            <a:endParaRPr lang="de-DE"/>
           </a:p>
         </p:txBody>
       </p:sp>
@@ -305,7 +303,7 @@
           <a:p>
             <a:fld id="{42F8D20A-7728-F14A-A40D-5966CD11A61A}" type="datetimeFigureOut">
               <a:rPr lang="de-DE" smtClean="0"/>
-              <a:t>22.02.16</a:t>
+              <a:t>23.07.23</a:t>
             </a:fld>
             <a:endParaRPr lang="de-DE"/>
           </a:p>
@@ -399,10 +397,9 @@
           <a:lstStyle/>
           <a:p>
             <a:r>
-              <a:rPr lang="de-DE" smtClean="0"/>
+              <a:rPr lang="de-DE"/>
               <a:t>Mastertitelformat bearbeiten</a:t>
             </a:r>
-            <a:endParaRPr lang="de-DE"/>
           </a:p>
         </p:txBody>
       </p:sp>
@@ -423,38 +420,37 @@
           <a:p>
             <a:pPr lvl="0"/>
             <a:r>
-              <a:rPr lang="de-DE" smtClean="0"/>
+              <a:rPr lang="de-DE"/>
               <a:t>Mastertextformat bearbeiten</a:t>
             </a:r>
           </a:p>
           <a:p>
             <a:pPr lvl="1"/>
             <a:r>
-              <a:rPr lang="de-DE" smtClean="0"/>
+              <a:rPr lang="de-DE"/>
               <a:t>Zweite Ebene</a:t>
             </a:r>
           </a:p>
           <a:p>
             <a:pPr lvl="2"/>
             <a:r>
-              <a:rPr lang="de-DE" smtClean="0"/>
+              <a:rPr lang="de-DE"/>
               <a:t>Dritte Ebene</a:t>
             </a:r>
           </a:p>
           <a:p>
             <a:pPr lvl="3"/>
             <a:r>
-              <a:rPr lang="de-DE" smtClean="0"/>
+              <a:rPr lang="de-DE"/>
               <a:t>Vierte Ebene</a:t>
             </a:r>
           </a:p>
           <a:p>
             <a:pPr lvl="4"/>
             <a:r>
-              <a:rPr lang="de-DE" smtClean="0"/>
+              <a:rPr lang="de-DE"/>
               <a:t>Fünfte Ebene</a:t>
             </a:r>
-            <a:endParaRPr lang="de-DE"/>
           </a:p>
         </p:txBody>
       </p:sp>
@@ -475,7 +471,7 @@
           <a:p>
             <a:fld id="{42F8D20A-7728-F14A-A40D-5966CD11A61A}" type="datetimeFigureOut">
               <a:rPr lang="de-DE" smtClean="0"/>
-              <a:t>22.02.16</a:t>
+              <a:t>23.07.23</a:t>
             </a:fld>
             <a:endParaRPr lang="de-DE"/>
           </a:p>
@@ -574,10 +570,9 @@
           <a:lstStyle/>
           <a:p>
             <a:r>
-              <a:rPr lang="de-DE" smtClean="0"/>
+              <a:rPr lang="de-DE"/>
               <a:t>Mastertitelformat bearbeiten</a:t>
             </a:r>
-            <a:endParaRPr lang="de-DE"/>
           </a:p>
         </p:txBody>
       </p:sp>
@@ -603,38 +598,37 @@
           <a:p>
             <a:pPr lvl="0"/>
             <a:r>
-              <a:rPr lang="de-DE" smtClean="0"/>
+              <a:rPr lang="de-DE"/>
               <a:t>Mastertextformat bearbeiten</a:t>
             </a:r>
           </a:p>
           <a:p>
             <a:pPr lvl="1"/>
             <a:r>
-              <a:rPr lang="de-DE" smtClean="0"/>
+              <a:rPr lang="de-DE"/>
               <a:t>Zweite Ebene</a:t>
             </a:r>
           </a:p>
           <a:p>
             <a:pPr lvl="2"/>
             <a:r>
-              <a:rPr lang="de-DE" smtClean="0"/>
+              <a:rPr lang="de-DE"/>
               <a:t>Dritte Ebene</a:t>
             </a:r>
           </a:p>
           <a:p>
             <a:pPr lvl="3"/>
             <a:r>
-              <a:rPr lang="de-DE" smtClean="0"/>
+              <a:rPr lang="de-DE"/>
               <a:t>Vierte Ebene</a:t>
             </a:r>
           </a:p>
           <a:p>
             <a:pPr lvl="4"/>
             <a:r>
-              <a:rPr lang="de-DE" smtClean="0"/>
+              <a:rPr lang="de-DE"/>
               <a:t>Fünfte Ebene</a:t>
             </a:r>
-            <a:endParaRPr lang="de-DE"/>
           </a:p>
         </p:txBody>
       </p:sp>
@@ -655,7 +649,7 @@
           <a:p>
             <a:fld id="{42F8D20A-7728-F14A-A40D-5966CD11A61A}" type="datetimeFigureOut">
               <a:rPr lang="de-DE" smtClean="0"/>
-              <a:t>22.02.16</a:t>
+              <a:t>23.07.23</a:t>
             </a:fld>
             <a:endParaRPr lang="de-DE"/>
           </a:p>
@@ -749,10 +743,9 @@
           <a:lstStyle/>
           <a:p>
             <a:r>
-              <a:rPr lang="de-DE" smtClean="0"/>
+              <a:rPr lang="de-DE"/>
               <a:t>Mastertitelformat bearbeiten</a:t>
             </a:r>
-            <a:endParaRPr lang="de-DE"/>
           </a:p>
         </p:txBody>
       </p:sp>
@@ -773,38 +766,37 @@
           <a:p>
             <a:pPr lvl="0"/>
             <a:r>
-              <a:rPr lang="de-DE" smtClean="0"/>
+              <a:rPr lang="de-DE"/>
               <a:t>Mastertextformat bearbeiten</a:t>
             </a:r>
           </a:p>
           <a:p>
             <a:pPr lvl="1"/>
             <a:r>
-              <a:rPr lang="de-DE" smtClean="0"/>
+              <a:rPr lang="de-DE"/>
               <a:t>Zweite Ebene</a:t>
             </a:r>
           </a:p>
           <a:p>
             <a:pPr lvl="2"/>
             <a:r>
-              <a:rPr lang="de-DE" smtClean="0"/>
+              <a:rPr lang="de-DE"/>
               <a:t>Dritte Ebene</a:t>
             </a:r>
           </a:p>
           <a:p>
             <a:pPr lvl="3"/>
             <a:r>
-              <a:rPr lang="de-DE" smtClean="0"/>
+              <a:rPr lang="de-DE"/>
               <a:t>Vierte Ebene</a:t>
             </a:r>
           </a:p>
           <a:p>
             <a:pPr lvl="4"/>
             <a:r>
-              <a:rPr lang="de-DE" smtClean="0"/>
+              <a:rPr lang="de-DE"/>
               <a:t>Fünfte Ebene</a:t>
             </a:r>
-            <a:endParaRPr lang="de-DE"/>
           </a:p>
         </p:txBody>
       </p:sp>
@@ -825,7 +817,7 @@
           <a:p>
             <a:fld id="{42F8D20A-7728-F14A-A40D-5966CD11A61A}" type="datetimeFigureOut">
               <a:rPr lang="de-DE" smtClean="0"/>
-              <a:t>22.02.16</a:t>
+              <a:t>23.07.23</a:t>
             </a:fld>
             <a:endParaRPr lang="de-DE"/>
           </a:p>
@@ -928,10 +920,9 @@
           </a:lstStyle>
           <a:p>
             <a:r>
-              <a:rPr lang="de-DE" smtClean="0"/>
+              <a:rPr lang="de-DE"/>
               <a:t>Mastertitelformat bearbeiten</a:t>
             </a:r>
-            <a:endParaRPr lang="de-DE"/>
           </a:p>
         </p:txBody>
       </p:sp>
@@ -1048,7 +1039,7 @@
           <a:p>
             <a:pPr lvl="0"/>
             <a:r>
-              <a:rPr lang="de-DE" smtClean="0"/>
+              <a:rPr lang="de-DE"/>
               <a:t>Mastertextformat bearbeiten</a:t>
             </a:r>
           </a:p>
@@ -1071,7 +1062,7 @@
           <a:p>
             <a:fld id="{42F8D20A-7728-F14A-A40D-5966CD11A61A}" type="datetimeFigureOut">
               <a:rPr lang="de-DE" smtClean="0"/>
-              <a:t>22.02.16</a:t>
+              <a:t>23.07.23</a:t>
             </a:fld>
             <a:endParaRPr lang="de-DE"/>
           </a:p>
@@ -1165,10 +1156,9 @@
           <a:lstStyle/>
           <a:p>
             <a:r>
-              <a:rPr lang="de-DE" smtClean="0"/>
+              <a:rPr lang="de-DE"/>
               <a:t>Mastertitelformat bearbeiten</a:t>
             </a:r>
-            <a:endParaRPr lang="de-DE"/>
           </a:p>
         </p:txBody>
       </p:sp>
@@ -1222,38 +1212,37 @@
           <a:p>
             <a:pPr lvl="0"/>
             <a:r>
-              <a:rPr lang="de-DE" smtClean="0"/>
+              <a:rPr lang="de-DE"/>
               <a:t>Mastertextformat bearbeiten</a:t>
             </a:r>
           </a:p>
           <a:p>
             <a:pPr lvl="1"/>
             <a:r>
-              <a:rPr lang="de-DE" smtClean="0"/>
+              <a:rPr lang="de-DE"/>
               <a:t>Zweite Ebene</a:t>
             </a:r>
           </a:p>
           <a:p>
             <a:pPr lvl="2"/>
             <a:r>
-              <a:rPr lang="de-DE" smtClean="0"/>
+              <a:rPr lang="de-DE"/>
               <a:t>Dritte Ebene</a:t>
             </a:r>
           </a:p>
           <a:p>
             <a:pPr lvl="3"/>
             <a:r>
-              <a:rPr lang="de-DE" smtClean="0"/>
+              <a:rPr lang="de-DE"/>
               <a:t>Vierte Ebene</a:t>
             </a:r>
           </a:p>
           <a:p>
             <a:pPr lvl="4"/>
             <a:r>
-              <a:rPr lang="de-DE" smtClean="0"/>
+              <a:rPr lang="de-DE"/>
               <a:t>Fünfte Ebene</a:t>
             </a:r>
-            <a:endParaRPr lang="de-DE"/>
           </a:p>
         </p:txBody>
       </p:sp>
@@ -1307,38 +1296,37 @@
           <a:p>
             <a:pPr lvl="0"/>
             <a:r>
-              <a:rPr lang="de-DE" smtClean="0"/>
+              <a:rPr lang="de-DE"/>
               <a:t>Mastertextformat bearbeiten</a:t>
             </a:r>
           </a:p>
           <a:p>
             <a:pPr lvl="1"/>
             <a:r>
-              <a:rPr lang="de-DE" smtClean="0"/>
+              <a:rPr lang="de-DE"/>
               <a:t>Zweite Ebene</a:t>
             </a:r>
           </a:p>
           <a:p>
             <a:pPr lvl="2"/>
             <a:r>
-              <a:rPr lang="de-DE" smtClean="0"/>
+              <a:rPr lang="de-DE"/>
               <a:t>Dritte Ebene</a:t>
             </a:r>
           </a:p>
           <a:p>
             <a:pPr lvl="3"/>
             <a:r>
-              <a:rPr lang="de-DE" smtClean="0"/>
+              <a:rPr lang="de-DE"/>
               <a:t>Vierte Ebene</a:t>
             </a:r>
           </a:p>
           <a:p>
             <a:pPr lvl="4"/>
             <a:r>
-              <a:rPr lang="de-DE" smtClean="0"/>
+              <a:rPr lang="de-DE"/>
               <a:t>Fünfte Ebene</a:t>
             </a:r>
-            <a:endParaRPr lang="de-DE"/>
           </a:p>
         </p:txBody>
       </p:sp>
@@ -1359,7 +1347,7 @@
           <a:p>
             <a:fld id="{42F8D20A-7728-F14A-A40D-5966CD11A61A}" type="datetimeFigureOut">
               <a:rPr lang="de-DE" smtClean="0"/>
-              <a:t>22.02.16</a:t>
+              <a:t>23.07.23</a:t>
             </a:fld>
             <a:endParaRPr lang="de-DE"/>
           </a:p>
@@ -1462,10 +1450,9 @@
           </a:lstStyle>
           <a:p>
             <a:r>
-              <a:rPr lang="de-DE" smtClean="0"/>
+              <a:rPr lang="de-DE"/>
               <a:t>Mastertitelformat bearbeiten</a:t>
             </a:r>
-            <a:endParaRPr lang="de-DE"/>
           </a:p>
         </p:txBody>
       </p:sp>
@@ -1528,7 +1515,7 @@
           <a:p>
             <a:pPr lvl="0"/>
             <a:r>
-              <a:rPr lang="de-DE" smtClean="0"/>
+              <a:rPr lang="de-DE"/>
               <a:t>Mastertextformat bearbeiten</a:t>
             </a:r>
           </a:p>
@@ -1584,38 +1571,37 @@
           <a:p>
             <a:pPr lvl="0"/>
             <a:r>
-              <a:rPr lang="de-DE" smtClean="0"/>
+              <a:rPr lang="de-DE"/>
               <a:t>Mastertextformat bearbeiten</a:t>
             </a:r>
           </a:p>
           <a:p>
             <a:pPr lvl="1"/>
             <a:r>
-              <a:rPr lang="de-DE" smtClean="0"/>
+              <a:rPr lang="de-DE"/>
               <a:t>Zweite Ebene</a:t>
             </a:r>
           </a:p>
           <a:p>
             <a:pPr lvl="2"/>
             <a:r>
-              <a:rPr lang="de-DE" smtClean="0"/>
+              <a:rPr lang="de-DE"/>
               <a:t>Dritte Ebene</a:t>
             </a:r>
           </a:p>
           <a:p>
             <a:pPr lvl="3"/>
             <a:r>
-              <a:rPr lang="de-DE" smtClean="0"/>
+              <a:rPr lang="de-DE"/>
               <a:t>Vierte Ebene</a:t>
             </a:r>
           </a:p>
           <a:p>
             <a:pPr lvl="4"/>
             <a:r>
-              <a:rPr lang="de-DE" smtClean="0"/>
+              <a:rPr lang="de-DE"/>
               <a:t>Fünfte Ebene</a:t>
             </a:r>
-            <a:endParaRPr lang="de-DE"/>
           </a:p>
         </p:txBody>
       </p:sp>
@@ -1678,7 +1664,7 @@
           <a:p>
             <a:pPr lvl="0"/>
             <a:r>
-              <a:rPr lang="de-DE" smtClean="0"/>
+              <a:rPr lang="de-DE"/>
               <a:t>Mastertextformat bearbeiten</a:t>
             </a:r>
           </a:p>
@@ -1734,38 +1720,37 @@
           <a:p>
             <a:pPr lvl="0"/>
             <a:r>
-              <a:rPr lang="de-DE" smtClean="0"/>
+              <a:rPr lang="de-DE"/>
               <a:t>Mastertextformat bearbeiten</a:t>
             </a:r>
           </a:p>
           <a:p>
             <a:pPr lvl="1"/>
             <a:r>
-              <a:rPr lang="de-DE" smtClean="0"/>
+              <a:rPr lang="de-DE"/>
               <a:t>Zweite Ebene</a:t>
             </a:r>
           </a:p>
           <a:p>
             <a:pPr lvl="2"/>
             <a:r>
-              <a:rPr lang="de-DE" smtClean="0"/>
+              <a:rPr lang="de-DE"/>
               <a:t>Dritte Ebene</a:t>
             </a:r>
           </a:p>
           <a:p>
             <a:pPr lvl="3"/>
             <a:r>
-              <a:rPr lang="de-DE" smtClean="0"/>
+              <a:rPr lang="de-DE"/>
               <a:t>Vierte Ebene</a:t>
             </a:r>
           </a:p>
           <a:p>
             <a:pPr lvl="4"/>
             <a:r>
-              <a:rPr lang="de-DE" smtClean="0"/>
+              <a:rPr lang="de-DE"/>
               <a:t>Fünfte Ebene</a:t>
             </a:r>
-            <a:endParaRPr lang="de-DE"/>
           </a:p>
         </p:txBody>
       </p:sp>
@@ -1786,7 +1771,7 @@
           <a:p>
             <a:fld id="{42F8D20A-7728-F14A-A40D-5966CD11A61A}" type="datetimeFigureOut">
               <a:rPr lang="de-DE" smtClean="0"/>
-              <a:t>22.02.16</a:t>
+              <a:t>23.07.23</a:t>
             </a:fld>
             <a:endParaRPr lang="de-DE"/>
           </a:p>
@@ -1880,10 +1865,9 @@
           <a:lstStyle/>
           <a:p>
             <a:r>
-              <a:rPr lang="de-DE" smtClean="0"/>
+              <a:rPr lang="de-DE"/>
               <a:t>Mastertitelformat bearbeiten</a:t>
             </a:r>
-            <a:endParaRPr lang="de-DE"/>
           </a:p>
         </p:txBody>
       </p:sp>
@@ -1904,7 +1888,7 @@
           <a:p>
             <a:fld id="{42F8D20A-7728-F14A-A40D-5966CD11A61A}" type="datetimeFigureOut">
               <a:rPr lang="de-DE" smtClean="0"/>
-              <a:t>22.02.16</a:t>
+              <a:t>23.07.23</a:t>
             </a:fld>
             <a:endParaRPr lang="de-DE"/>
           </a:p>
@@ -1999,7 +1983,7 @@
           <a:p>
             <a:fld id="{42F8D20A-7728-F14A-A40D-5966CD11A61A}" type="datetimeFigureOut">
               <a:rPr lang="de-DE" smtClean="0"/>
-              <a:t>22.02.16</a:t>
+              <a:t>23.07.23</a:t>
             </a:fld>
             <a:endParaRPr lang="de-DE"/>
           </a:p>
@@ -2102,10 +2086,9 @@
           </a:lstStyle>
           <a:p>
             <a:r>
-              <a:rPr lang="de-DE" smtClean="0"/>
+              <a:rPr lang="de-DE"/>
               <a:t>Mastertitelformat bearbeiten</a:t>
             </a:r>
-            <a:endParaRPr lang="de-DE"/>
           </a:p>
         </p:txBody>
       </p:sp>
@@ -2159,38 +2142,37 @@
           <a:p>
             <a:pPr lvl="0"/>
             <a:r>
-              <a:rPr lang="de-DE" smtClean="0"/>
+              <a:rPr lang="de-DE"/>
               <a:t>Mastertextformat bearbeiten</a:t>
             </a:r>
           </a:p>
           <a:p>
             <a:pPr lvl="1"/>
             <a:r>
-              <a:rPr lang="de-DE" smtClean="0"/>
+              <a:rPr lang="de-DE"/>
               <a:t>Zweite Ebene</a:t>
             </a:r>
           </a:p>
           <a:p>
             <a:pPr lvl="2"/>
             <a:r>
-              <a:rPr lang="de-DE" smtClean="0"/>
+              <a:rPr lang="de-DE"/>
               <a:t>Dritte Ebene</a:t>
             </a:r>
           </a:p>
           <a:p>
             <a:pPr lvl="3"/>
             <a:r>
-              <a:rPr lang="de-DE" smtClean="0"/>
+              <a:rPr lang="de-DE"/>
               <a:t>Vierte Ebene</a:t>
             </a:r>
           </a:p>
           <a:p>
             <a:pPr lvl="4"/>
             <a:r>
-              <a:rPr lang="de-DE" smtClean="0"/>
+              <a:rPr lang="de-DE"/>
               <a:t>Fünfte Ebene</a:t>
             </a:r>
-            <a:endParaRPr lang="de-DE"/>
           </a:p>
         </p:txBody>
       </p:sp>
@@ -2253,7 +2235,7 @@
           <a:p>
             <a:pPr lvl="0"/>
             <a:r>
-              <a:rPr lang="de-DE" smtClean="0"/>
+              <a:rPr lang="de-DE"/>
               <a:t>Mastertextformat bearbeiten</a:t>
             </a:r>
           </a:p>
@@ -2276,7 +2258,7 @@
           <a:p>
             <a:fld id="{42F8D20A-7728-F14A-A40D-5966CD11A61A}" type="datetimeFigureOut">
               <a:rPr lang="de-DE" smtClean="0"/>
-              <a:t>22.02.16</a:t>
+              <a:t>23.07.23</a:t>
             </a:fld>
             <a:endParaRPr lang="de-DE"/>
           </a:p>
@@ -2379,10 +2361,9 @@
           </a:lstStyle>
           <a:p>
             <a:r>
-              <a:rPr lang="de-DE" smtClean="0"/>
+              <a:rPr lang="de-DE"/>
               <a:t>Mastertitelformat bearbeiten</a:t>
             </a:r>
-            <a:endParaRPr lang="de-DE"/>
           </a:p>
         </p:txBody>
       </p:sp>
@@ -2506,7 +2487,7 @@
           <a:p>
             <a:pPr lvl="0"/>
             <a:r>
-              <a:rPr lang="de-DE" smtClean="0"/>
+              <a:rPr lang="de-DE"/>
               <a:t>Mastertextformat bearbeiten</a:t>
             </a:r>
           </a:p>
@@ -2529,7 +2510,7 @@
           <a:p>
             <a:fld id="{42F8D20A-7728-F14A-A40D-5966CD11A61A}" type="datetimeFigureOut">
               <a:rPr lang="de-DE" smtClean="0"/>
-              <a:t>22.02.16</a:t>
+              <a:t>23.07.23</a:t>
             </a:fld>
             <a:endParaRPr lang="de-DE"/>
           </a:p>
@@ -2638,10 +2619,9 @@
           <a:lstStyle/>
           <a:p>
             <a:r>
-              <a:rPr lang="de-DE" smtClean="0"/>
+              <a:rPr lang="de-DE"/>
               <a:t>Mastertitelformat bearbeiten</a:t>
             </a:r>
-            <a:endParaRPr lang="de-DE"/>
           </a:p>
         </p:txBody>
       </p:sp>
@@ -2672,38 +2652,37 @@
           <a:p>
             <a:pPr lvl="0"/>
             <a:r>
-              <a:rPr lang="de-DE" smtClean="0"/>
+              <a:rPr lang="de-DE"/>
               <a:t>Mastertextformat bearbeiten</a:t>
             </a:r>
           </a:p>
           <a:p>
             <a:pPr lvl="1"/>
             <a:r>
-              <a:rPr lang="de-DE" smtClean="0"/>
+              <a:rPr lang="de-DE"/>
               <a:t>Zweite Ebene</a:t>
             </a:r>
           </a:p>
           <a:p>
             <a:pPr lvl="2"/>
             <a:r>
-              <a:rPr lang="de-DE" smtClean="0"/>
+              <a:rPr lang="de-DE"/>
               <a:t>Dritte Ebene</a:t>
             </a:r>
           </a:p>
           <a:p>
             <a:pPr lvl="3"/>
             <a:r>
-              <a:rPr lang="de-DE" smtClean="0"/>
+              <a:rPr lang="de-DE"/>
               <a:t>Vierte Ebene</a:t>
             </a:r>
           </a:p>
           <a:p>
             <a:pPr lvl="4"/>
             <a:r>
-              <a:rPr lang="de-DE" smtClean="0"/>
+              <a:rPr lang="de-DE"/>
               <a:t>Fünfte Ebene</a:t>
             </a:r>
-            <a:endParaRPr lang="de-DE"/>
           </a:p>
         </p:txBody>
       </p:sp>
@@ -2742,7 +2721,7 @@
           <a:p>
             <a:fld id="{42F8D20A-7728-F14A-A40D-5966CD11A61A}" type="datetimeFigureOut">
               <a:rPr lang="de-DE" smtClean="0"/>
-              <a:t>22.02.16</a:t>
+              <a:t>23.07.23</a:t>
             </a:fld>
             <a:endParaRPr lang="de-DE"/>
           </a:p>
@@ -3237,7 +3216,7 @@
           <a:lstStyle/>
           <a:p>
             <a:r>
-              <a:rPr lang="de-DE" sz="1050" b="1" dirty="0" smtClean="0">
+              <a:rPr lang="de-DE" sz="1050" b="1" dirty="0">
                 <a:solidFill>
                   <a:schemeClr val="bg1"/>
                 </a:solidFill>
@@ -3247,7 +3226,7 @@
               <a:t>TRAININGSKARTE</a:t>
             </a:r>
             <a:r>
-              <a:rPr lang="de-DE" sz="1050" dirty="0" smtClean="0">
+              <a:rPr lang="de-DE" sz="1050" dirty="0">
                 <a:solidFill>
                   <a:schemeClr val="bg1"/>
                 </a:solidFill>
@@ -3257,7 +3236,7 @@
               <a:t> </a:t>
             </a:r>
             <a:r>
-              <a:rPr lang="de-DE" sz="1050" b="1" dirty="0" smtClean="0">
+              <a:rPr lang="de-DE" sz="1050" b="1" dirty="0">
                 <a:solidFill>
                   <a:schemeClr val="bg1"/>
                 </a:solidFill>
@@ -3266,13 +3245,6 @@
               </a:rPr>
               <a:t>SCR 05</a:t>
             </a:r>
-            <a:endParaRPr lang="de-DE" sz="1050" b="1" dirty="0">
-              <a:solidFill>
-                <a:schemeClr val="bg1"/>
-              </a:solidFill>
-              <a:latin typeface="Avenir Heavy"/>
-              <a:cs typeface="Avenir Heavy"/>
-            </a:endParaRPr>
           </a:p>
         </p:txBody>
       </p:sp>
@@ -3385,14 +3357,24 @@
               </a:buBlip>
             </a:pPr>
             <a:r>
-              <a:rPr lang="de-DE" sz="900" dirty="0" smtClean="0">
+              <a:rPr lang="de-DE" sz="900" dirty="0">
                 <a:solidFill>
                   <a:srgbClr val="747982"/>
                 </a:solidFill>
                 <a:latin typeface="Avenir Book"/>
                 <a:cs typeface="Avenir Book"/>
               </a:rPr>
-              <a:t>Das </a:t>
+              <a:t>Das „Sprint </a:t>
+            </a:r>
+            <a:r>
+              <a:rPr lang="de-DE" sz="900" dirty="0" err="1">
+                <a:solidFill>
+                  <a:srgbClr val="747982"/>
+                </a:solidFill>
+                <a:latin typeface="Avenir Book"/>
+                <a:cs typeface="Avenir Book"/>
+              </a:rPr>
+              <a:t>Planing</a:t>
             </a:r>
             <a:r>
               <a:rPr lang="de-DE" sz="900" dirty="0">
@@ -3402,7 +3384,7 @@
                 <a:latin typeface="Avenir Book"/>
                 <a:cs typeface="Avenir Book"/>
               </a:rPr>
-              <a:t>„Sprint </a:t>
+              <a:t>“ ist eines der </a:t>
             </a:r>
             <a:r>
               <a:rPr lang="de-DE" sz="900" dirty="0" err="1">
@@ -3412,7 +3394,7 @@
                 <a:latin typeface="Avenir Book"/>
                 <a:cs typeface="Avenir Book"/>
               </a:rPr>
-              <a:t>Planing</a:t>
+              <a:t>Scrumereignisse</a:t>
             </a:r>
             <a:r>
               <a:rPr lang="de-DE" sz="900" dirty="0">
@@ -3422,7 +3404,7 @@
                 <a:latin typeface="Avenir Book"/>
                 <a:cs typeface="Avenir Book"/>
               </a:rPr>
-              <a:t>“ ist eines der </a:t>
+              <a:t>. Das gesamte </a:t>
             </a:r>
             <a:r>
               <a:rPr lang="de-DE" sz="900" dirty="0" err="1">
@@ -3432,7 +3414,7 @@
                 <a:latin typeface="Avenir Book"/>
                 <a:cs typeface="Avenir Book"/>
               </a:rPr>
-              <a:t>Scrumereignisse</a:t>
+              <a:t>Scrum</a:t>
             </a:r>
             <a:r>
               <a:rPr lang="de-DE" sz="900" dirty="0">
@@ -3442,7 +3424,7 @@
                 <a:latin typeface="Avenir Book"/>
                 <a:cs typeface="Avenir Book"/>
               </a:rPr>
-              <a:t>. Das gesamte </a:t>
+              <a:t> Team trifft sich um den nächsten Sprint (siehe SCR-01) zu besprechen. Dabei wird das Sprint </a:t>
             </a:r>
             <a:r>
               <a:rPr lang="de-DE" sz="900" dirty="0" err="1">
@@ -3452,7 +3434,7 @@
                 <a:latin typeface="Avenir Book"/>
                 <a:cs typeface="Avenir Book"/>
               </a:rPr>
-              <a:t>Scrum</a:t>
+              <a:t>Backlog</a:t>
             </a:r>
             <a:r>
               <a:rPr lang="de-DE" sz="900" dirty="0">
@@ -3462,7 +3444,7 @@
                 <a:latin typeface="Avenir Book"/>
                 <a:cs typeface="Avenir Book"/>
               </a:rPr>
-              <a:t> Team trifft sich um den nächsten Sprint (siehe SCR-01) zu besprechen. Dabei wird das Sprint </a:t>
+              <a:t> </a:t>
             </a:r>
             <a:r>
               <a:rPr lang="de-DE" sz="900" dirty="0" err="1">
@@ -3472,7 +3454,7 @@
                 <a:latin typeface="Avenir Book"/>
                 <a:cs typeface="Avenir Book"/>
               </a:rPr>
-              <a:t>Backlog</a:t>
+              <a:t>befüllt</a:t>
             </a:r>
             <a:r>
               <a:rPr lang="de-DE" sz="900" dirty="0">
@@ -3482,44 +3464,14 @@
                 <a:latin typeface="Avenir Book"/>
                 <a:cs typeface="Avenir Book"/>
               </a:rPr>
-              <a:t> </a:t>
-            </a:r>
-            <a:r>
-              <a:rPr lang="de-DE" sz="900" dirty="0" err="1">
-                <a:solidFill>
-                  <a:srgbClr val="747982"/>
-                </a:solidFill>
-                <a:latin typeface="Avenir Book"/>
-                <a:cs typeface="Avenir Book"/>
-              </a:rPr>
-              <a:t>befüllt</a:t>
-            </a:r>
-            <a:r>
-              <a:rPr lang="de-DE" sz="900" dirty="0">
-                <a:solidFill>
-                  <a:srgbClr val="747982"/>
-                </a:solidFill>
-                <a:latin typeface="Avenir Book"/>
-                <a:cs typeface="Avenir Book"/>
-              </a:rPr>
-              <a:t> und somit festgelegt, welche Arbeit im nächsten Sprint voraussichtlich getan werden </a:t>
-            </a:r>
-            <a:r>
-              <a:rPr lang="de-DE" sz="900" dirty="0" smtClean="0">
-                <a:solidFill>
-                  <a:srgbClr val="747982"/>
-                </a:solidFill>
-                <a:latin typeface="Avenir Book"/>
-                <a:cs typeface="Avenir Book"/>
-              </a:rPr>
-              <a:t>kann.</a:t>
+              <a:t> und somit festgelegt, welche Arbeit im nächsten Sprint voraussichtlich getan werden kann.</a:t>
             </a:r>
           </a:p>
           <a:p>
             <a:pPr lvl="0">
               <a:buSzPct val="170000"/>
             </a:pPr>
-            <a:endParaRPr lang="de-DE" sz="900" dirty="0" smtClean="0">
+            <a:endParaRPr lang="de-DE" sz="900" dirty="0">
               <a:solidFill>
                 <a:srgbClr val="747982"/>
               </a:solidFill>
@@ -3535,14 +3487,24 @@
               </a:buBlip>
             </a:pPr>
             <a:r>
-              <a:rPr lang="de-DE" sz="900" dirty="0" smtClean="0">
+              <a:rPr lang="de-DE" sz="900" dirty="0">
                 <a:solidFill>
                   <a:srgbClr val="747982"/>
                 </a:solidFill>
                 <a:latin typeface="Avenir Book"/>
                 <a:cs typeface="Avenir Book"/>
               </a:rPr>
-              <a:t>Das </a:t>
+              <a:t>Das Treffen ist </a:t>
+            </a:r>
+            <a:r>
+              <a:rPr lang="de-DE" sz="900" dirty="0" err="1">
+                <a:solidFill>
+                  <a:srgbClr val="747982"/>
+                </a:solidFill>
+                <a:latin typeface="Avenir Book"/>
+                <a:cs typeface="Avenir Book"/>
+              </a:rPr>
+              <a:t>timeboxed</a:t>
             </a:r>
             <a:r>
               <a:rPr lang="de-DE" sz="900" dirty="0">
@@ -3552,7 +3514,7 @@
                 <a:latin typeface="Avenir Book"/>
                 <a:cs typeface="Avenir Book"/>
               </a:rPr>
-              <a:t>Treffen ist </a:t>
+              <a:t>. Es ist auf eine Dauer von maximal 8h für 4 Wochen Sprints beschränkt. Bei kürzeren Sprints reduziert sich die </a:t>
             </a:r>
             <a:r>
               <a:rPr lang="de-DE" sz="900" dirty="0" err="1">
@@ -3562,7 +3524,7 @@
                 <a:latin typeface="Avenir Book"/>
                 <a:cs typeface="Avenir Book"/>
               </a:rPr>
-              <a:t>timeboxed</a:t>
+              <a:t>Timebox</a:t>
             </a:r>
             <a:r>
               <a:rPr lang="de-DE" sz="900" dirty="0">
@@ -3572,44 +3534,14 @@
                 <a:latin typeface="Avenir Book"/>
                 <a:cs typeface="Avenir Book"/>
               </a:rPr>
-              <a:t>. Es ist auf eine Dauer von maximal 8h für 4 Wochen Sprints beschränkt. Bei kürzeren Sprints ist reduziert sich die </a:t>
-            </a:r>
-            <a:r>
-              <a:rPr lang="de-DE" sz="900" dirty="0" err="1">
-                <a:solidFill>
-                  <a:srgbClr val="747982"/>
-                </a:solidFill>
-                <a:latin typeface="Avenir Book"/>
-                <a:cs typeface="Avenir Book"/>
-              </a:rPr>
-              <a:t>Timebox</a:t>
-            </a:r>
-            <a:r>
-              <a:rPr lang="de-DE" sz="900" dirty="0">
-                <a:solidFill>
-                  <a:srgbClr val="747982"/>
-                </a:solidFill>
-                <a:latin typeface="Avenir Book"/>
-                <a:cs typeface="Avenir Book"/>
-              </a:rPr>
-              <a:t> </a:t>
-            </a:r>
-            <a:r>
-              <a:rPr lang="de-DE" sz="900" dirty="0" smtClean="0">
-                <a:solidFill>
-                  <a:srgbClr val="747982"/>
-                </a:solidFill>
-                <a:latin typeface="Avenir Book"/>
-                <a:cs typeface="Avenir Book"/>
-              </a:rPr>
-              <a:t>verhältnismäßig.</a:t>
+              <a:t> verhältnismäßig.</a:t>
             </a:r>
           </a:p>
           <a:p>
             <a:pPr lvl="0">
               <a:buSzPct val="170000"/>
             </a:pPr>
-            <a:endParaRPr lang="de-DE" sz="900" dirty="0" smtClean="0">
+            <a:endParaRPr lang="de-DE" sz="900" dirty="0">
               <a:solidFill>
                 <a:srgbClr val="747982"/>
               </a:solidFill>
@@ -3625,14 +3557,24 @@
               </a:buBlip>
             </a:pPr>
             <a:r>
-              <a:rPr lang="de-DE" sz="900" dirty="0" smtClean="0">
+              <a:rPr lang="de-DE" sz="900" dirty="0">
                 <a:solidFill>
                   <a:srgbClr val="747982"/>
                 </a:solidFill>
                 <a:latin typeface="Avenir Book"/>
                 <a:cs typeface="Avenir Book"/>
               </a:rPr>
-              <a:t>Vor </a:t>
+              <a:t>Vor dem </a:t>
+            </a:r>
+            <a:r>
+              <a:rPr lang="de-DE" sz="900" dirty="0" err="1">
+                <a:solidFill>
+                  <a:srgbClr val="747982"/>
+                </a:solidFill>
+                <a:latin typeface="Avenir Book"/>
+                <a:cs typeface="Avenir Book"/>
+              </a:rPr>
+              <a:t>meeting</a:t>
             </a:r>
             <a:r>
               <a:rPr lang="de-DE" sz="900" dirty="0">
@@ -3642,7 +3584,7 @@
                 <a:latin typeface="Avenir Book"/>
                 <a:cs typeface="Avenir Book"/>
               </a:rPr>
-              <a:t>dem </a:t>
+              <a:t> macht sich der </a:t>
             </a:r>
             <a:r>
               <a:rPr lang="de-DE" sz="900" dirty="0" err="1">
@@ -3652,7 +3594,7 @@
                 <a:latin typeface="Avenir Book"/>
                 <a:cs typeface="Avenir Book"/>
               </a:rPr>
-              <a:t>meeting</a:t>
+              <a:t>Product</a:t>
             </a:r>
             <a:r>
               <a:rPr lang="de-DE" sz="900" dirty="0">
@@ -3662,7 +3604,7 @@
                 <a:latin typeface="Avenir Book"/>
                 <a:cs typeface="Avenir Book"/>
               </a:rPr>
-              <a:t> macht sich der </a:t>
+              <a:t> </a:t>
             </a:r>
             <a:r>
               <a:rPr lang="de-DE" sz="900" dirty="0" err="1">
@@ -3672,7 +3614,7 @@
                 <a:latin typeface="Avenir Book"/>
                 <a:cs typeface="Avenir Book"/>
               </a:rPr>
-              <a:t>Product</a:t>
+              <a:t>Owner</a:t>
             </a:r>
             <a:r>
               <a:rPr lang="de-DE" sz="900" dirty="0">
@@ -3682,44 +3624,14 @@
                 <a:latin typeface="Avenir Book"/>
                 <a:cs typeface="Avenir Book"/>
               </a:rPr>
-              <a:t> </a:t>
-            </a:r>
-            <a:r>
-              <a:rPr lang="de-DE" sz="900" dirty="0" err="1">
-                <a:solidFill>
-                  <a:srgbClr val="747982"/>
-                </a:solidFill>
-                <a:latin typeface="Avenir Book"/>
-                <a:cs typeface="Avenir Book"/>
-              </a:rPr>
-              <a:t>Owner</a:t>
-            </a:r>
-            <a:r>
-              <a:rPr lang="de-DE" sz="900" dirty="0">
-                <a:solidFill>
-                  <a:srgbClr val="747982"/>
-                </a:solidFill>
-                <a:latin typeface="Avenir Book"/>
-                <a:cs typeface="Avenir Book"/>
-              </a:rPr>
-              <a:t> Gedanken über die Produktvision und bringt sie in die Besprechung </a:t>
-            </a:r>
-            <a:r>
-              <a:rPr lang="de-DE" sz="900" dirty="0" smtClean="0">
-                <a:solidFill>
-                  <a:srgbClr val="747982"/>
-                </a:solidFill>
-                <a:latin typeface="Avenir Book"/>
-                <a:cs typeface="Avenir Book"/>
-              </a:rPr>
-              <a:t>mit.</a:t>
+              <a:t> Gedanken über die Produktvision und bringt sie in die Besprechung mit.</a:t>
             </a:r>
           </a:p>
           <a:p>
             <a:pPr lvl="0">
               <a:buSzPct val="170000"/>
             </a:pPr>
-            <a:endParaRPr lang="de-DE" sz="900" dirty="0" smtClean="0">
+            <a:endParaRPr lang="de-DE" sz="900" dirty="0">
               <a:solidFill>
                 <a:srgbClr val="747982"/>
               </a:solidFill>
@@ -3735,14 +3647,24 @@
               </a:buBlip>
             </a:pPr>
             <a:r>
-              <a:rPr lang="de-DE" sz="900" dirty="0" smtClean="0">
+              <a:rPr lang="de-DE" sz="900" dirty="0">
                 <a:solidFill>
                   <a:srgbClr val="747982"/>
                 </a:solidFill>
                 <a:latin typeface="Avenir Book"/>
                 <a:cs typeface="Avenir Book"/>
               </a:rPr>
-              <a:t>Wenn </a:t>
+              <a:t>Wenn Du in Dein erstes Sprint </a:t>
+            </a:r>
+            <a:r>
+              <a:rPr lang="de-DE" sz="900" dirty="0" err="1">
+                <a:solidFill>
+                  <a:srgbClr val="747982"/>
+                </a:solidFill>
+                <a:latin typeface="Avenir Book"/>
+                <a:cs typeface="Avenir Book"/>
+              </a:rPr>
+              <a:t>Planing</a:t>
             </a:r>
             <a:r>
               <a:rPr lang="de-DE" sz="900" dirty="0">
@@ -3752,7 +3674,7 @@
                 <a:latin typeface="Avenir Book"/>
                 <a:cs typeface="Avenir Book"/>
               </a:rPr>
-              <a:t>Du in Dein erstes Sprint </a:t>
+              <a:t> gehst, bist Du Dein </a:t>
             </a:r>
             <a:r>
               <a:rPr lang="de-DE" sz="900" dirty="0" err="1">
@@ -3762,7 +3684,7 @@
                 <a:latin typeface="Avenir Book"/>
                 <a:cs typeface="Avenir Book"/>
               </a:rPr>
-              <a:t>Planing</a:t>
+              <a:t>Product</a:t>
             </a:r>
             <a:r>
               <a:rPr lang="de-DE" sz="900" dirty="0">
@@ -3772,7 +3694,7 @@
                 <a:latin typeface="Avenir Book"/>
                 <a:cs typeface="Avenir Book"/>
               </a:rPr>
-              <a:t> gehst, bist Du Dein </a:t>
+              <a:t> </a:t>
             </a:r>
             <a:r>
               <a:rPr lang="de-DE" sz="900" dirty="0" err="1">
@@ -3782,7 +3704,7 @@
                 <a:latin typeface="Avenir Book"/>
                 <a:cs typeface="Avenir Book"/>
               </a:rPr>
-              <a:t>Product</a:t>
+              <a:t>Owner</a:t>
             </a:r>
             <a:r>
               <a:rPr lang="de-DE" sz="900" dirty="0">
@@ -3792,44 +3714,14 @@
                 <a:latin typeface="Avenir Book"/>
                 <a:cs typeface="Avenir Book"/>
               </a:rPr>
-              <a:t> </a:t>
-            </a:r>
-            <a:r>
-              <a:rPr lang="de-DE" sz="900" dirty="0" err="1">
-                <a:solidFill>
-                  <a:srgbClr val="747982"/>
-                </a:solidFill>
-                <a:latin typeface="Avenir Book"/>
-                <a:cs typeface="Avenir Book"/>
-              </a:rPr>
-              <a:t>Owner</a:t>
-            </a:r>
-            <a:r>
-              <a:rPr lang="de-DE" sz="900" dirty="0">
-                <a:solidFill>
-                  <a:srgbClr val="747982"/>
-                </a:solidFill>
-                <a:latin typeface="Avenir Book"/>
-                <a:cs typeface="Avenir Book"/>
-              </a:rPr>
-              <a:t>. Du musst also wissen, wohin Du mit Deinem Stück willst und solltest eine Vision von Deinem Stück formulieren können, die andere in Deinem Team verstehen oder sogar mitreißen </a:t>
-            </a:r>
-            <a:r>
-              <a:rPr lang="de-DE" sz="900" dirty="0" smtClean="0">
-                <a:solidFill>
-                  <a:srgbClr val="747982"/>
-                </a:solidFill>
-                <a:latin typeface="Avenir Book"/>
-                <a:cs typeface="Avenir Book"/>
-              </a:rPr>
-              <a:t>kann.</a:t>
+              <a:t>. Du musst also wissen, wohin Du mit Deinem Stück willst und solltest eine Vision von Deinem Stück formulieren können, die andere in Deinem Team verstehen oder sogar mitreißen kann.</a:t>
             </a:r>
           </a:p>
           <a:p>
             <a:pPr lvl="0">
               <a:buSzPct val="170000"/>
             </a:pPr>
-            <a:endParaRPr lang="de-DE" sz="900" dirty="0" smtClean="0">
+            <a:endParaRPr lang="de-DE" sz="900" dirty="0">
               <a:solidFill>
                 <a:srgbClr val="747982"/>
               </a:solidFill>
@@ -3845,26 +3737,21 @@
               </a:buBlip>
             </a:pPr>
             <a:r>
-              <a:rPr lang="de-DE" sz="900" dirty="0" smtClean="0">
+              <a:rPr lang="de-DE" sz="900" dirty="0">
                 <a:solidFill>
                   <a:srgbClr val="747982"/>
                 </a:solidFill>
                 <a:latin typeface="Avenir Book"/>
                 <a:cs typeface="Avenir Book"/>
               </a:rPr>
-              <a:t>Wenn </a:t>
-            </a:r>
-            <a:r>
-              <a:rPr lang="de-DE" sz="900" dirty="0">
-                <a:solidFill>
-                  <a:srgbClr val="747982"/>
-                </a:solidFill>
-                <a:latin typeface="Avenir Book"/>
-                <a:cs typeface="Avenir Book"/>
-              </a:rPr>
-              <a:t>Du mit anderen Musikern zusammen ein Konzert vorbereitest oder in einer Band, einem Ensemble oder einem Klassenverband musizierst kann ein gemeinsames Qualitätsbewusstsein für Eure Vorträge entstehen. Eine Diskussion darüber, wohin die gemeinsame Reise mit einem bestimmten Stück geht, was das dahinterstehende Ziel oder Traum ist, warum man dieses Stück musiziert und wie man sich den Weg dorthin vorstellt, gibt dem nachstehenden Üben Substanz und ein Fundament. </a:t>
-            </a:r>
-            <a:endParaRPr lang="de-DE" sz="900" dirty="0" smtClean="0">
+              <a:t>Wenn Du mit anderen Musikern zusammen ein Konzert vorbereitest oder in einer Band, einem Ensemble oder einem Klassenverband musizierst kann ein gemeinsames Qualitätsbewusstsein für Eure Vorträge entstehen. Eine Diskussion darüber, wohin die gemeinsame Reise mit einem bestimmten Stück geht, was das dahinterstehende Ziel oder der Traum ist, warum man dieses Stück musiziert und wie man sich den Weg dorthin vorstellt, gibt dem nachstehenden Üben Substanz und ein Fundament. </a:t>
+            </a:r>
+          </a:p>
+          <a:p>
+            <a:pPr lvl="0">
+              <a:buSzPct val="170000"/>
+            </a:pPr>
+            <a:endParaRPr lang="de-DE" sz="900" dirty="0">
               <a:solidFill>
                 <a:srgbClr val="747982"/>
               </a:solidFill>
@@ -3873,18 +3760,6 @@
             </a:endParaRPr>
           </a:p>
           <a:p>
-            <a:pPr lvl="0">
-              <a:buSzPct val="170000"/>
-            </a:pPr>
-            <a:endParaRPr lang="de-DE" sz="900" dirty="0" smtClean="0">
-              <a:solidFill>
-                <a:srgbClr val="747982"/>
-              </a:solidFill>
-              <a:latin typeface="Avenir Book"/>
-              <a:cs typeface="Avenir Book"/>
-            </a:endParaRPr>
-          </a:p>
-          <a:p>
             <a:pPr marL="271463" lvl="0" indent="-271463">
               <a:buSzPct val="170000"/>
               <a:buBlip>
@@ -3892,24 +3767,14 @@
               </a:buBlip>
             </a:pPr>
             <a:r>
-              <a:rPr lang="de-DE" sz="900" dirty="0" smtClean="0">
+              <a:rPr lang="de-DE" sz="900" dirty="0">
                 <a:solidFill>
                   <a:srgbClr val="747982"/>
                 </a:solidFill>
                 <a:latin typeface="Avenir Book"/>
                 <a:cs typeface="Avenir Book"/>
               </a:rPr>
-              <a:t>Durch </a:t>
-            </a:r>
-            <a:r>
-              <a:rPr lang="de-DE" sz="900" dirty="0">
-                <a:solidFill>
-                  <a:srgbClr val="747982"/>
-                </a:solidFill>
-                <a:latin typeface="Avenir Book"/>
-                <a:cs typeface="Avenir Book"/>
-              </a:rPr>
-              <a:t>die gemeinsame Planung wird man mitverantwortlich für den </a:t>
+              <a:t>Durch die gemeinsame Planung wird man mitverantwortlich für den </a:t>
             </a:r>
             <a:r>
               <a:rPr lang="de-DE" sz="900" dirty="0" err="1">
@@ -3991,7 +3856,7 @@
           <a:lstStyle/>
           <a:p>
             <a:r>
-              <a:rPr lang="de-DE" sz="2400" dirty="0" smtClean="0">
+              <a:rPr lang="de-DE" sz="2400" dirty="0">
                 <a:solidFill>
                   <a:srgbClr val="7E006B"/>
                 </a:solidFill>
@@ -4001,7 +3866,7 @@
               <a:t>PLAN </a:t>
             </a:r>
             <a:r>
-              <a:rPr lang="de-DE" sz="2300" dirty="0" smtClean="0">
+              <a:rPr lang="de-DE" sz="2300" dirty="0">
                 <a:solidFill>
                   <a:srgbClr val="7E006B"/>
                 </a:solidFill>
@@ -4010,13 +3875,6 @@
               </a:rPr>
               <a:t>DEINEN SPRINT</a:t>
             </a:r>
-            <a:endParaRPr lang="de-DE" sz="2300" dirty="0">
-              <a:solidFill>
-                <a:srgbClr val="7E006B"/>
-              </a:solidFill>
-              <a:latin typeface="Avenir Book"/>
-              <a:cs typeface="Avenir Book"/>
-            </a:endParaRPr>
           </a:p>
         </p:txBody>
       </p:sp>
@@ -4170,7 +4028,7 @@
           <a:lstStyle/>
           <a:p>
             <a:r>
-              <a:rPr lang="de-DE" sz="1050" b="1" dirty="0" smtClean="0">
+              <a:rPr lang="de-DE" sz="1050" b="1" dirty="0">
                 <a:solidFill>
                   <a:schemeClr val="bg1"/>
                 </a:solidFill>
@@ -4180,7 +4038,7 @@
               <a:t>TRAININGSKARTE</a:t>
             </a:r>
             <a:r>
-              <a:rPr lang="de-DE" sz="1050" dirty="0" smtClean="0">
+              <a:rPr lang="de-DE" sz="1050" dirty="0">
                 <a:solidFill>
                   <a:schemeClr val="bg1"/>
                 </a:solidFill>
@@ -4190,7 +4048,7 @@
               <a:t> </a:t>
             </a:r>
             <a:r>
-              <a:rPr lang="de-DE" sz="1050" b="1" dirty="0" smtClean="0">
+              <a:rPr lang="de-DE" sz="1050" b="1" dirty="0">
                 <a:solidFill>
                   <a:schemeClr val="bg1"/>
                 </a:solidFill>
@@ -4199,13 +4057,6 @@
               </a:rPr>
               <a:t>SCR 05</a:t>
             </a:r>
-            <a:endParaRPr lang="de-DE" sz="1050" b="1" dirty="0">
-              <a:solidFill>
-                <a:schemeClr val="bg1"/>
-              </a:solidFill>
-              <a:latin typeface="Avenir Heavy"/>
-              <a:cs typeface="Avenir Heavy"/>
-            </a:endParaRPr>
           </a:p>
         </p:txBody>
       </p:sp>
@@ -4262,7 +4113,7 @@
           <a:lstStyle/>
           <a:p>
             <a:r>
-              <a:rPr lang="de-DE" sz="2400" dirty="0" smtClean="0">
+              <a:rPr lang="de-DE" sz="2400" dirty="0">
                 <a:solidFill>
                   <a:srgbClr val="7E006B"/>
                 </a:solidFill>
@@ -4272,7 +4123,7 @@
               <a:t>TR	AININGS</a:t>
             </a:r>
             <a:r>
-              <a:rPr lang="de-DE" sz="2400" dirty="0" smtClean="0">
+              <a:rPr lang="de-DE" sz="2400" dirty="0">
                 <a:solidFill>
                   <a:srgbClr val="7E006B"/>
                 </a:solidFill>
@@ -4325,41 +4176,21 @@
               </a:buBlip>
             </a:pPr>
             <a:r>
-              <a:rPr lang="de-DE" sz="1000" dirty="0" smtClean="0">
+              <a:rPr lang="de-DE" sz="1000" dirty="0">
                 <a:solidFill>
                   <a:srgbClr val="747982"/>
                 </a:solidFill>
                 <a:latin typeface="Avenir Book"/>
                 <a:cs typeface="Avenir Book"/>
               </a:rPr>
-              <a:t>Setze </a:t>
-            </a:r>
-            <a:r>
-              <a:rPr lang="de-DE" sz="1000" dirty="0">
-                <a:solidFill>
-                  <a:srgbClr val="747982"/>
-                </a:solidFill>
-                <a:latin typeface="Avenir Book"/>
-                <a:cs typeface="Avenir Book"/>
-              </a:rPr>
-              <a:t>mit Deinem Team vor Deinen nächsten beiden Sprints (siehe SCR 01) jeweils ein Treffen zur Sprintplanung an. Gebt euch gegenseitig Feedback über die Machbarkeit der geplanten Aufgaben in der angesetzten Zeit. Sprecht über eure „Produktvision“ und gleich euer Qualitätsbewusstsein </a:t>
-            </a:r>
-            <a:r>
-              <a:rPr lang="de-DE" sz="1000" dirty="0" smtClean="0">
-                <a:solidFill>
-                  <a:srgbClr val="747982"/>
-                </a:solidFill>
-                <a:latin typeface="Avenir Book"/>
-                <a:cs typeface="Avenir Book"/>
-              </a:rPr>
-              <a:t>ab.</a:t>
+              <a:t>Setze mit Deinem Team vor Deinen nächsten beiden Sprints (siehe SCR 01) jeweils ein Treffen zur Sprintplanung an. Gebt Euch gegenseitig Feedback über die Machbarkeit der geplanten Aufgaben in der angesetzten Zeit. Sprecht über eure „Produktvision“ und gleicht Euer Qualitätsbewusstsein ab.</a:t>
             </a:r>
           </a:p>
           <a:p>
             <a:pPr>
               <a:buSzPct val="170000"/>
             </a:pPr>
-            <a:endParaRPr lang="de-DE" sz="1000" dirty="0" smtClean="0">
+            <a:endParaRPr lang="de-DE" sz="1000" dirty="0">
               <a:solidFill>
                 <a:srgbClr val="747982"/>
               </a:solidFill>
@@ -4375,7 +4206,7 @@
               </a:buBlip>
             </a:pPr>
             <a:r>
-              <a:rPr lang="de-DE" sz="1000" dirty="0" smtClean="0">
+              <a:rPr lang="de-DE" sz="1000" dirty="0">
                 <a:solidFill>
                   <a:srgbClr val="747982"/>
                 </a:solidFill>
@@ -4385,7 +4216,7 @@
               <a:t>Nach dem Treffen solltest Du ein gefülltes Sprint </a:t>
             </a:r>
             <a:r>
-              <a:rPr lang="de-DE" sz="1000" dirty="0" err="1" smtClean="0">
+              <a:rPr lang="de-DE" sz="1000" dirty="0" err="1">
                 <a:solidFill>
                   <a:srgbClr val="747982"/>
                 </a:solidFill>
@@ -4395,41 +4226,21 @@
               <a:t>Backlog</a:t>
             </a:r>
             <a:r>
-              <a:rPr lang="de-DE" sz="1000" dirty="0" smtClean="0">
+              <a:rPr lang="de-DE" sz="1000" dirty="0">
                 <a:solidFill>
                   <a:srgbClr val="747982"/>
                 </a:solidFill>
                 <a:latin typeface="Avenir Book"/>
                 <a:cs typeface="Avenir Book"/>
               </a:rPr>
-              <a:t> in den Händen halten, das alle Aufgaben für Dich und Dein Team in diesem Sprint beinhaltet, die Ihr schaffen könnt. Dabei kommt es darauf an, dass etwas umgesetzt wird, was vorgezeigt werden kann und fertig ist, wie </a:t>
-            </a:r>
-            <a:r>
-              <a:rPr lang="de-DE" sz="1000" dirty="0" err="1" smtClean="0">
-                <a:solidFill>
-                  <a:srgbClr val="747982"/>
-                </a:solidFill>
-                <a:latin typeface="Avenir Book"/>
-                <a:cs typeface="Avenir Book"/>
-              </a:rPr>
-              <a:t>z.B</a:t>
-            </a:r>
-            <a:r>
-              <a:rPr lang="de-DE" sz="1000" dirty="0" smtClean="0">
-                <a:solidFill>
-                  <a:srgbClr val="747982"/>
-                </a:solidFill>
-                <a:latin typeface="Avenir Book"/>
-                <a:cs typeface="Avenir Book"/>
-              </a:rPr>
-              <a:t> ein Teil eines Stückes.</a:t>
+              <a:t> in den Händen halten, das alle Aufgaben für Dich und Dein Team in diesem Sprint beinhaltet, die Ihr schaffen könnt. Dabei kommt es darauf an, dass etwas umgesetzt wird, was vorgezeigt werden kann und fertig ist, wie z.B. ein Teil eines Stückes.</a:t>
             </a:r>
           </a:p>
           <a:p>
             <a:pPr>
               <a:buSzPct val="170000"/>
             </a:pPr>
-            <a:endParaRPr lang="de-DE" sz="1000" dirty="0" smtClean="0">
+            <a:endParaRPr lang="de-DE" sz="1000" dirty="0">
               <a:solidFill>
                 <a:srgbClr val="747982"/>
               </a:solidFill>
@@ -4445,14 +4256,24 @@
               </a:buBlip>
             </a:pPr>
             <a:r>
-              <a:rPr lang="de-DE" sz="1000" dirty="0" smtClean="0">
+              <a:rPr lang="de-DE" sz="1000" dirty="0">
                 <a:solidFill>
                   <a:srgbClr val="747982"/>
                 </a:solidFill>
                 <a:latin typeface="Avenir Book"/>
                 <a:cs typeface="Avenir Book"/>
               </a:rPr>
-              <a:t>Vor </a:t>
+              <a:t>Vor Deinem aller ersten Sprint </a:t>
+            </a:r>
+            <a:r>
+              <a:rPr lang="de-DE" sz="1000">
+                <a:solidFill>
+                  <a:srgbClr val="747982"/>
+                </a:solidFill>
+                <a:latin typeface="Avenir Book"/>
+                <a:cs typeface="Avenir Book"/>
+              </a:rPr>
+              <a:t>Planing</a:t>
             </a:r>
             <a:r>
               <a:rPr lang="de-DE" sz="1000" dirty="0">
@@ -4462,7 +4283,7 @@
                 <a:latin typeface="Avenir Book"/>
                 <a:cs typeface="Avenir Book"/>
               </a:rPr>
-              <a:t>Deinem aller ersten Sprint </a:t>
+              <a:t> solltest Du ein Treffen organisieren, in dem Ihr Euch über eure Definition </a:t>
             </a:r>
             <a:r>
               <a:rPr lang="de-DE" sz="1000" dirty="0" err="1">
@@ -4472,7 +4293,7 @@
                 <a:latin typeface="Avenir Book"/>
                 <a:cs typeface="Avenir Book"/>
               </a:rPr>
-              <a:t>Planing</a:t>
+              <a:t>of</a:t>
             </a:r>
             <a:r>
               <a:rPr lang="de-DE" sz="1000" dirty="0">
@@ -4482,17 +4303,17 @@
                 <a:latin typeface="Avenir Book"/>
                 <a:cs typeface="Avenir Book"/>
               </a:rPr>
-              <a:t> solltest </a:t>
-            </a:r>
-            <a:r>
-              <a:rPr lang="de-DE" sz="1000" dirty="0" smtClean="0">
+              <a:t> </a:t>
+            </a:r>
+            <a:r>
+              <a:rPr lang="de-DE" sz="1000" dirty="0" err="1">
                 <a:solidFill>
                   <a:srgbClr val="747982"/>
                 </a:solidFill>
                 <a:latin typeface="Avenir Book"/>
                 <a:cs typeface="Avenir Book"/>
               </a:rPr>
-              <a:t>Du </a:t>
+              <a:t>Done</a:t>
             </a:r>
             <a:r>
               <a:rPr lang="de-DE" sz="1000" dirty="0">
@@ -4502,117 +4323,7 @@
                 <a:latin typeface="Avenir Book"/>
                 <a:cs typeface="Avenir Book"/>
               </a:rPr>
-              <a:t>ein Treffen organisieren, in dem </a:t>
-            </a:r>
-            <a:r>
-              <a:rPr lang="de-DE" sz="1000" dirty="0" smtClean="0">
-                <a:solidFill>
-                  <a:srgbClr val="747982"/>
-                </a:solidFill>
-                <a:latin typeface="Avenir Book"/>
-                <a:cs typeface="Avenir Book"/>
-              </a:rPr>
-              <a:t>Ihr </a:t>
-            </a:r>
-            <a:r>
-              <a:rPr lang="de-DE" sz="1000" dirty="0">
-                <a:solidFill>
-                  <a:srgbClr val="747982"/>
-                </a:solidFill>
-                <a:latin typeface="Avenir Book"/>
-                <a:cs typeface="Avenir Book"/>
-              </a:rPr>
-              <a:t>E</a:t>
-            </a:r>
-            <a:r>
-              <a:rPr lang="de-DE" sz="1000" dirty="0" smtClean="0">
-                <a:solidFill>
-                  <a:srgbClr val="747982"/>
-                </a:solidFill>
-                <a:latin typeface="Avenir Book"/>
-                <a:cs typeface="Avenir Book"/>
-              </a:rPr>
-              <a:t>uch </a:t>
-            </a:r>
-            <a:r>
-              <a:rPr lang="de-DE" sz="1000" dirty="0">
-                <a:solidFill>
-                  <a:srgbClr val="747982"/>
-                </a:solidFill>
-                <a:latin typeface="Avenir Book"/>
-                <a:cs typeface="Avenir Book"/>
-              </a:rPr>
-              <a:t>über eure Definition </a:t>
-            </a:r>
-            <a:r>
-              <a:rPr lang="de-DE" sz="1000" dirty="0" err="1">
-                <a:solidFill>
-                  <a:srgbClr val="747982"/>
-                </a:solidFill>
-                <a:latin typeface="Avenir Book"/>
-                <a:cs typeface="Avenir Book"/>
-              </a:rPr>
-              <a:t>of</a:t>
-            </a:r>
-            <a:r>
-              <a:rPr lang="de-DE" sz="1000" dirty="0">
-                <a:solidFill>
-                  <a:srgbClr val="747982"/>
-                </a:solidFill>
-                <a:latin typeface="Avenir Book"/>
-                <a:cs typeface="Avenir Book"/>
-              </a:rPr>
-              <a:t> </a:t>
-            </a:r>
-            <a:r>
-              <a:rPr lang="de-DE" sz="1000" dirty="0" err="1">
-                <a:solidFill>
-                  <a:srgbClr val="747982"/>
-                </a:solidFill>
-                <a:latin typeface="Avenir Book"/>
-                <a:cs typeface="Avenir Book"/>
-              </a:rPr>
-              <a:t>Done</a:t>
-            </a:r>
-            <a:r>
-              <a:rPr lang="de-DE" sz="1000" dirty="0">
-                <a:solidFill>
-                  <a:srgbClr val="747982"/>
-                </a:solidFill>
-                <a:latin typeface="Avenir Book"/>
-                <a:cs typeface="Avenir Book"/>
-              </a:rPr>
-              <a:t> (siehe SCR 04) unterhaltet um herauszufinden, was </a:t>
-            </a:r>
-            <a:r>
-              <a:rPr lang="de-DE" sz="1000">
-                <a:solidFill>
-                  <a:srgbClr val="747982"/>
-                </a:solidFill>
-                <a:latin typeface="Avenir Book"/>
-                <a:cs typeface="Avenir Book"/>
-              </a:rPr>
-              <a:t>für </a:t>
-            </a:r>
-            <a:r>
-              <a:rPr lang="de-DE" sz="1000" smtClean="0">
-                <a:solidFill>
-                  <a:srgbClr val="747982"/>
-                </a:solidFill>
-                <a:latin typeface="Avenir Book"/>
-                <a:cs typeface="Avenir Book"/>
-              </a:rPr>
-              <a:t>Euch </a:t>
-            </a:r>
-            <a:r>
-              <a:rPr lang="de-DE" sz="1000" dirty="0">
-                <a:solidFill>
-                  <a:srgbClr val="747982"/>
-                </a:solidFill>
-                <a:latin typeface="Avenir Book"/>
-                <a:cs typeface="Avenir Book"/>
-              </a:rPr>
-              <a:t>die Stadien sind, durch die eine Phrase (siehe SCR 03) laufen muss.</a:t>
+              <a:t> (siehe SCR 04) unterhaltet um herauszufinden, was für Euch die Stadien sind, durch die eine Phrase (siehe SCR 03) laufen muss.</a:t>
             </a:r>
           </a:p>
         </p:txBody>
@@ -4664,14 +4375,20 @@
       </p:sp>
       <p:sp>
         <p:nvSpPr>
-          <p:cNvPr id="11" name="Shape 7"/>
+          <p:cNvPr id="2" name="Shape 7">
+            <a:extLst>
+              <a:ext uri="{FF2B5EF4-FFF2-40B4-BE49-F238E27FC236}">
+                <a16:creationId xmlns:a16="http://schemas.microsoft.com/office/drawing/2014/main" id="{64E7384E-FC78-4E36-2B07-05EA9CB86EC6}"/>
+              </a:ext>
+            </a:extLst>
+          </p:cNvPr>
           <p:cNvSpPr/>
           <p:nvPr/>
         </p:nvSpPr>
         <p:spPr>
           <a:xfrm>
-            <a:off x="1683417" y="4952581"/>
-            <a:ext cx="4196016" cy="276995"/>
+            <a:off x="971550" y="4689585"/>
+            <a:ext cx="4691860" cy="461661"/>
           </a:xfrm>
           <a:prstGeom prst="rect">
             <a:avLst/>
@@ -4681,12 +4398,12 @@
           </a:ln>
           <a:extLst>
             <a:ext uri="{C572A759-6A51-4108-AA02-DFA0A04FC94B}">
-              <ma14:wrappingTextBoxFlag xmlns:ma14="http://schemas.microsoft.com/office/mac/drawingml/2011/main" val="1"/>
+              <ma14:wrappingTextBoxFlag xmlns="" xmlns:ma14="http://schemas.microsoft.com/office/mac/drawingml/2011/main" val="1"/>
             </a:ext>
           </a:extLst>
         </p:spPr>
         <p:txBody>
-          <a:bodyPr wrap="none" lIns="45718" tIns="45718" rIns="45718" bIns="45718">
+          <a:bodyPr wrap="square" lIns="45718" tIns="45718" rIns="45718" bIns="45718">
             <a:spAutoFit/>
           </a:bodyPr>
           <a:lstStyle/>
@@ -4695,49 +4412,266 @@
               <a:defRPr sz="1800"/>
             </a:pPr>
             <a:r>
-              <a:rPr sz="600" dirty="0">
-                <a:latin typeface="Avenir Light"/>
+              <a:rPr lang="de-DE" sz="800" b="0" i="0" u="none" strike="noStrike" dirty="0" err="1">
+                <a:solidFill>
+                  <a:schemeClr val="tx1">
+                    <a:lumMod val="65000"/>
+                    <a:lumOff val="35000"/>
+                  </a:schemeClr>
+                </a:solidFill>
+                <a:effectLst/>
+                <a:latin typeface="Avenir Book" panose="02000503020000020003" pitchFamily="2" charset="0"/>
+              </a:rPr>
+              <a:t>music</a:t>
+            </a:r>
+            <a:r>
+              <a:rPr lang="de-DE" sz="800" b="0" i="0" u="none" strike="noStrike" dirty="0">
+                <a:solidFill>
+                  <a:schemeClr val="tx1">
+                    <a:lumMod val="65000"/>
+                    <a:lumOff val="35000"/>
+                  </a:schemeClr>
+                </a:solidFill>
+                <a:effectLst/>
+                <a:latin typeface="Avenir Book" panose="02000503020000020003" pitchFamily="2" charset="0"/>
+              </a:rPr>
+              <a:t> </a:t>
+            </a:r>
+            <a:r>
+              <a:rPr lang="de-DE" sz="800" b="0" i="0" u="none" strike="noStrike" dirty="0" err="1">
+                <a:solidFill>
+                  <a:schemeClr val="tx1">
+                    <a:lumMod val="65000"/>
+                    <a:lumOff val="35000"/>
+                  </a:schemeClr>
+                </a:solidFill>
+                <a:effectLst/>
+                <a:latin typeface="Avenir Book" panose="02000503020000020003" pitchFamily="2" charset="0"/>
+              </a:rPr>
+              <a:t>moves</a:t>
+            </a:r>
+            <a:r>
+              <a:rPr lang="de-DE" sz="800" b="0" i="0" u="none" strike="noStrike" dirty="0">
+                <a:solidFill>
+                  <a:schemeClr val="tx1">
+                    <a:lumMod val="65000"/>
+                    <a:lumOff val="35000"/>
+                  </a:schemeClr>
+                </a:solidFill>
+                <a:effectLst/>
+                <a:latin typeface="Avenir Book" panose="02000503020000020003" pitchFamily="2" charset="0"/>
+              </a:rPr>
+              <a:t>-Trainingskarten von Regina Brandhuber sind lizenziert unter einer Creative Commons </a:t>
+            </a:r>
+          </a:p>
+          <a:p>
+            <a:pPr lvl="0" algn="ctr">
+              <a:defRPr sz="1800"/>
+            </a:pPr>
+            <a:r>
+              <a:rPr lang="de-DE" sz="800" b="0" i="0" u="none" strike="noStrike" dirty="0">
+                <a:solidFill>
+                  <a:schemeClr val="tx1">
+                    <a:lumMod val="65000"/>
+                    <a:lumOff val="35000"/>
+                  </a:schemeClr>
+                </a:solidFill>
+                <a:effectLst/>
+                <a:latin typeface="Avenir Book" panose="02000503020000020003" pitchFamily="2" charset="0"/>
+              </a:rPr>
+              <a:t>Namensnennung-Nicht kommerziell 4.0 International Lizenz.</a:t>
+            </a:r>
+          </a:p>
+          <a:p>
+            <a:pPr lvl="0" algn="ctr">
+              <a:defRPr sz="1800"/>
+            </a:pPr>
+            <a:r>
+              <a:rPr lang="de-DE" sz="800" dirty="0">
+                <a:solidFill>
+                  <a:schemeClr val="tx1">
+                    <a:lumMod val="65000"/>
+                    <a:lumOff val="35000"/>
+                  </a:schemeClr>
+                </a:solidFill>
+                <a:latin typeface="Avenir Book" panose="02000503020000020003" pitchFamily="2" charset="0"/>
                 <a:ea typeface="Calibri"/>
                 <a:cs typeface="Avenir Light"/>
                 <a:sym typeface="Calibri"/>
               </a:rPr>
-              <a:t>This work is licensed under the Creative Commons Attribution-NonCommercial-NoDerivatives 4.0 International License. </a:t>
-            </a:r>
-          </a:p>
-          <a:p>
-            <a:pPr lvl="0" algn="ctr">
-              <a:defRPr sz="1800"/>
-            </a:pPr>
-            <a:r>
-              <a:rPr sz="600" dirty="0">
-                <a:latin typeface="Avenir Light"/>
+              <a:t>Nachzulesen unter:</a:t>
+            </a:r>
+            <a:r>
+              <a:rPr sz="800" dirty="0">
+                <a:solidFill>
+                  <a:schemeClr val="tx1">
+                    <a:lumMod val="65000"/>
+                    <a:lumOff val="35000"/>
+                  </a:schemeClr>
+                </a:solidFill>
+                <a:latin typeface="Avenir Book" panose="02000503020000020003" pitchFamily="2" charset="0"/>
                 <a:ea typeface="Calibri"/>
                 <a:cs typeface="Avenir Light"/>
                 <a:sym typeface="Calibri"/>
               </a:rPr>
-              <a:t>To view a copy of this license, visit http://creativecommons.org/licenses/by-nc-nd/4.0/.</a:t>
-            </a:r>
+              <a:t> </a:t>
+            </a:r>
+            <a:r>
+              <a:rPr lang="de-DE" sz="800" dirty="0">
+                <a:solidFill>
+                  <a:schemeClr val="tx1">
+                    <a:lumMod val="65000"/>
+                    <a:lumOff val="35000"/>
+                  </a:schemeClr>
+                </a:solidFill>
+                <a:latin typeface="Avenir Book" panose="02000503020000020003" pitchFamily="2" charset="0"/>
+                <a:ea typeface="Calibri"/>
+                <a:cs typeface="Avenir Light"/>
+                <a:sym typeface="Calibri"/>
+              </a:rPr>
+              <a:t>https://</a:t>
+            </a:r>
+            <a:r>
+              <a:rPr lang="de-DE" sz="800" dirty="0" err="1">
+                <a:solidFill>
+                  <a:schemeClr val="tx1">
+                    <a:lumMod val="65000"/>
+                    <a:lumOff val="35000"/>
+                  </a:schemeClr>
+                </a:solidFill>
+                <a:latin typeface="Avenir Book" panose="02000503020000020003" pitchFamily="2" charset="0"/>
+                <a:ea typeface="Calibri"/>
+                <a:cs typeface="Avenir Light"/>
+                <a:sym typeface="Calibri"/>
+              </a:rPr>
+              <a:t>creativecommons.org</a:t>
+            </a:r>
+            <a:r>
+              <a:rPr lang="de-DE" sz="800" dirty="0">
+                <a:solidFill>
+                  <a:schemeClr val="tx1">
+                    <a:lumMod val="65000"/>
+                    <a:lumOff val="35000"/>
+                  </a:schemeClr>
+                </a:solidFill>
+                <a:latin typeface="Avenir Book" panose="02000503020000020003" pitchFamily="2" charset="0"/>
+                <a:ea typeface="Calibri"/>
+                <a:cs typeface="Avenir Light"/>
+                <a:sym typeface="Calibri"/>
+              </a:rPr>
+              <a:t>/</a:t>
+            </a:r>
+            <a:r>
+              <a:rPr lang="de-DE" sz="800" dirty="0" err="1">
+                <a:solidFill>
+                  <a:schemeClr val="tx1">
+                    <a:lumMod val="65000"/>
+                    <a:lumOff val="35000"/>
+                  </a:schemeClr>
+                </a:solidFill>
+                <a:latin typeface="Avenir Book" panose="02000503020000020003" pitchFamily="2" charset="0"/>
+                <a:ea typeface="Calibri"/>
+                <a:cs typeface="Avenir Light"/>
+                <a:sym typeface="Calibri"/>
+              </a:rPr>
+              <a:t>licenses</a:t>
+            </a:r>
+            <a:r>
+              <a:rPr lang="de-DE" sz="800" dirty="0">
+                <a:solidFill>
+                  <a:schemeClr val="tx1">
+                    <a:lumMod val="65000"/>
+                    <a:lumOff val="35000"/>
+                  </a:schemeClr>
+                </a:solidFill>
+                <a:latin typeface="Avenir Book" panose="02000503020000020003" pitchFamily="2" charset="0"/>
+                <a:ea typeface="Calibri"/>
+                <a:cs typeface="Avenir Light"/>
+                <a:sym typeface="Calibri"/>
+              </a:rPr>
+              <a:t>/</a:t>
+            </a:r>
+            <a:r>
+              <a:rPr lang="de-DE" sz="800" dirty="0" err="1">
+                <a:solidFill>
+                  <a:schemeClr val="tx1">
+                    <a:lumMod val="65000"/>
+                    <a:lumOff val="35000"/>
+                  </a:schemeClr>
+                </a:solidFill>
+                <a:latin typeface="Avenir Book" panose="02000503020000020003" pitchFamily="2" charset="0"/>
+                <a:ea typeface="Calibri"/>
+                <a:cs typeface="Avenir Light"/>
+                <a:sym typeface="Calibri"/>
+              </a:rPr>
+              <a:t>by-nc</a:t>
+            </a:r>
+            <a:r>
+              <a:rPr lang="de-DE" sz="800" dirty="0">
+                <a:solidFill>
+                  <a:schemeClr val="tx1">
+                    <a:lumMod val="65000"/>
+                    <a:lumOff val="35000"/>
+                  </a:schemeClr>
+                </a:solidFill>
+                <a:latin typeface="Avenir Book" panose="02000503020000020003" pitchFamily="2" charset="0"/>
+                <a:ea typeface="Calibri"/>
+                <a:cs typeface="Avenir Light"/>
+                <a:sym typeface="Calibri"/>
+              </a:rPr>
+              <a:t>/4.0/</a:t>
+            </a:r>
+            <a:r>
+              <a:rPr lang="de-DE" sz="800" dirty="0" err="1">
+                <a:solidFill>
+                  <a:schemeClr val="tx1">
+                    <a:lumMod val="65000"/>
+                    <a:lumOff val="35000"/>
+                  </a:schemeClr>
+                </a:solidFill>
+                <a:latin typeface="Avenir Book" panose="02000503020000020003" pitchFamily="2" charset="0"/>
+                <a:ea typeface="Calibri"/>
+                <a:cs typeface="Avenir Light"/>
+                <a:sym typeface="Calibri"/>
+              </a:rPr>
+              <a:t>deed.de</a:t>
+            </a:r>
+            <a:endParaRPr sz="800" dirty="0">
+              <a:solidFill>
+                <a:schemeClr val="tx1">
+                  <a:lumMod val="65000"/>
+                  <a:lumOff val="35000"/>
+                </a:schemeClr>
+              </a:solidFill>
+              <a:latin typeface="Avenir Book" panose="02000503020000020003" pitchFamily="2" charset="0"/>
+              <a:ea typeface="Calibri"/>
+              <a:cs typeface="Avenir Light"/>
+              <a:sym typeface="Calibri"/>
+            </a:endParaRPr>
           </a:p>
         </p:txBody>
       </p:sp>
       <p:pic>
         <p:nvPicPr>
-          <p:cNvPr id="12" name="pasted-image.tif"/>
+          <p:cNvPr id="3" name="pasted-image.tif">
+            <a:extLst>
+              <a:ext uri="{FF2B5EF4-FFF2-40B4-BE49-F238E27FC236}">
+                <a16:creationId xmlns:a16="http://schemas.microsoft.com/office/drawing/2014/main" id="{B8D646CC-2205-0C65-F3EA-78B6B7165707}"/>
+              </a:ext>
+            </a:extLst>
+          </p:cNvPr>
           <p:cNvPicPr/>
           <p:nvPr/>
         </p:nvPicPr>
-        <p:blipFill>
-          <a:blip r:embed="rId4">
-            <a:extLst/>
-          </a:blip>
-          <a:stretch>
-            <a:fillRect/>
-          </a:stretch>
+        <p:blipFill rotWithShape="1">
+          <a:blip r:embed="rId4"/>
+          <a:srcRect r="24777" b="-3233"/>
+          <a:stretch/>
         </p:blipFill>
         <p:spPr>
           <a:xfrm>
-            <a:off x="6174185" y="4992838"/>
-            <a:ext cx="886619" cy="214128"/>
+            <a:off x="5724347" y="4733926"/>
+            <a:ext cx="1009828" cy="333374"/>
           </a:xfrm>
           <a:prstGeom prst="rect">
             <a:avLst/>
@@ -4747,58 +4681,6 @@
           </a:ln>
         </p:spPr>
       </p:pic>
-      <p:sp>
-        <p:nvSpPr>
-          <p:cNvPr id="13" name="Textfeld 12"/>
-          <p:cNvSpPr txBox="1"/>
-          <p:nvPr/>
-        </p:nvSpPr>
-        <p:spPr>
-          <a:xfrm>
-            <a:off x="239285" y="4936890"/>
-            <a:ext cx="1044856" cy="276999"/>
-          </a:xfrm>
-          <a:prstGeom prst="rect">
-            <a:avLst/>
-          </a:prstGeom>
-          <a:noFill/>
-        </p:spPr>
-        <p:txBody>
-          <a:bodyPr wrap="square" rtlCol="0">
-            <a:spAutoFit/>
-          </a:bodyPr>
-          <a:lstStyle/>
-          <a:p>
-            <a:r>
-              <a:rPr lang="de-DE" sz="600" dirty="0">
-                <a:solidFill>
-                  <a:srgbClr val="5D5E5F"/>
-                </a:solidFill>
-                <a:latin typeface="Avenir Light"/>
-                <a:cs typeface="Avenir Light"/>
-              </a:rPr>
-              <a:t>Letzte Änderung: </a:t>
-            </a:r>
-            <a:fld id="{7A8C7DAC-E536-564C-B5B3-90E8FAB50562}" type="datetime1">
-              <a:rPr lang="de-DE" sz="600" smtClean="0">
-                <a:solidFill>
-                  <a:srgbClr val="5D5E5F"/>
-                </a:solidFill>
-                <a:latin typeface="Avenir Light"/>
-                <a:cs typeface="Avenir Light"/>
-              </a:rPr>
-              <a:t>22.02.16</a:t>
-            </a:fld>
-            <a:endParaRPr lang="de-DE" sz="600" dirty="0">
-              <a:solidFill>
-                <a:srgbClr val="5D5E5F"/>
-              </a:solidFill>
-              <a:latin typeface="Avenir Light"/>
-              <a:cs typeface="Avenir Light"/>
-            </a:endParaRPr>
-          </a:p>
-        </p:txBody>
-      </p:sp>
     </p:spTree>
     <p:extLst>
       <p:ext uri="{BB962C8B-B14F-4D97-AF65-F5344CB8AC3E}">

--- a/training-cards/music moves/Scrum (SCR)/ger/apprentice/ger_SCR_05_Plan_Deinen_Sprint_MM_A.pptx
+++ b/training-cards/music moves/Scrum (SCR)/ger/apprentice/ger_SCR_05_Plan_Deinen_Sprint_MM_A.pptx
@@ -303,7 +303,7 @@
           <a:p>
             <a:fld id="{42F8D20A-7728-F14A-A40D-5966CD11A61A}" type="datetimeFigureOut">
               <a:rPr lang="de-DE" smtClean="0"/>
-              <a:t>23.07.23</a:t>
+              <a:t>01.08.24</a:t>
             </a:fld>
             <a:endParaRPr lang="de-DE"/>
           </a:p>
@@ -471,7 +471,7 @@
           <a:p>
             <a:fld id="{42F8D20A-7728-F14A-A40D-5966CD11A61A}" type="datetimeFigureOut">
               <a:rPr lang="de-DE" smtClean="0"/>
-              <a:t>23.07.23</a:t>
+              <a:t>01.08.24</a:t>
             </a:fld>
             <a:endParaRPr lang="de-DE"/>
           </a:p>
@@ -649,7 +649,7 @@
           <a:p>
             <a:fld id="{42F8D20A-7728-F14A-A40D-5966CD11A61A}" type="datetimeFigureOut">
               <a:rPr lang="de-DE" smtClean="0"/>
-              <a:t>23.07.23</a:t>
+              <a:t>01.08.24</a:t>
             </a:fld>
             <a:endParaRPr lang="de-DE"/>
           </a:p>
@@ -817,7 +817,7 @@
           <a:p>
             <a:fld id="{42F8D20A-7728-F14A-A40D-5966CD11A61A}" type="datetimeFigureOut">
               <a:rPr lang="de-DE" smtClean="0"/>
-              <a:t>23.07.23</a:t>
+              <a:t>01.08.24</a:t>
             </a:fld>
             <a:endParaRPr lang="de-DE"/>
           </a:p>
@@ -1062,7 +1062,7 @@
           <a:p>
             <a:fld id="{42F8D20A-7728-F14A-A40D-5966CD11A61A}" type="datetimeFigureOut">
               <a:rPr lang="de-DE" smtClean="0"/>
-              <a:t>23.07.23</a:t>
+              <a:t>01.08.24</a:t>
             </a:fld>
             <a:endParaRPr lang="de-DE"/>
           </a:p>
@@ -1347,7 +1347,7 @@
           <a:p>
             <a:fld id="{42F8D20A-7728-F14A-A40D-5966CD11A61A}" type="datetimeFigureOut">
               <a:rPr lang="de-DE" smtClean="0"/>
-              <a:t>23.07.23</a:t>
+              <a:t>01.08.24</a:t>
             </a:fld>
             <a:endParaRPr lang="de-DE"/>
           </a:p>
@@ -1771,7 +1771,7 @@
           <a:p>
             <a:fld id="{42F8D20A-7728-F14A-A40D-5966CD11A61A}" type="datetimeFigureOut">
               <a:rPr lang="de-DE" smtClean="0"/>
-              <a:t>23.07.23</a:t>
+              <a:t>01.08.24</a:t>
             </a:fld>
             <a:endParaRPr lang="de-DE"/>
           </a:p>
@@ -1888,7 +1888,7 @@
           <a:p>
             <a:fld id="{42F8D20A-7728-F14A-A40D-5966CD11A61A}" type="datetimeFigureOut">
               <a:rPr lang="de-DE" smtClean="0"/>
-              <a:t>23.07.23</a:t>
+              <a:t>01.08.24</a:t>
             </a:fld>
             <a:endParaRPr lang="de-DE"/>
           </a:p>
@@ -1983,7 +1983,7 @@
           <a:p>
             <a:fld id="{42F8D20A-7728-F14A-A40D-5966CD11A61A}" type="datetimeFigureOut">
               <a:rPr lang="de-DE" smtClean="0"/>
-              <a:t>23.07.23</a:t>
+              <a:t>01.08.24</a:t>
             </a:fld>
             <a:endParaRPr lang="de-DE"/>
           </a:p>
@@ -2258,7 +2258,7 @@
           <a:p>
             <a:fld id="{42F8D20A-7728-F14A-A40D-5966CD11A61A}" type="datetimeFigureOut">
               <a:rPr lang="de-DE" smtClean="0"/>
-              <a:t>23.07.23</a:t>
+              <a:t>01.08.24</a:t>
             </a:fld>
             <a:endParaRPr lang="de-DE"/>
           </a:p>
@@ -2510,7 +2510,7 @@
           <a:p>
             <a:fld id="{42F8D20A-7728-F14A-A40D-5966CD11A61A}" type="datetimeFigureOut">
               <a:rPr lang="de-DE" smtClean="0"/>
-              <a:t>23.07.23</a:t>
+              <a:t>01.08.24</a:t>
             </a:fld>
             <a:endParaRPr lang="de-DE"/>
           </a:p>
@@ -2721,7 +2721,7 @@
           <a:p>
             <a:fld id="{42F8D20A-7728-F14A-A40D-5966CD11A61A}" type="datetimeFigureOut">
               <a:rPr lang="de-DE" smtClean="0"/>
-              <a:t>23.07.23</a:t>
+              <a:t>01.08.24</a:t>
             </a:fld>
             <a:endParaRPr lang="de-DE"/>
           </a:p>
@@ -3332,7 +3332,7 @@
         <p:spPr>
           <a:xfrm>
             <a:off x="865450" y="1339459"/>
-            <a:ext cx="5942053" cy="3554820"/>
+            <a:ext cx="6228829" cy="3785652"/>
           </a:xfrm>
           <a:prstGeom prst="rect">
             <a:avLst/>
@@ -3350,7 +3350,7 @@
           </a:bodyPr>
           <a:lstStyle/>
           <a:p>
-            <a:pPr marL="271463" lvl="0" indent="-271463">
+            <a:pPr marL="271463" lvl="0" indent="-271463" algn="just">
               <a:buSzPct val="170000"/>
               <a:buBlip>
                 <a:blip r:embed="rId3"/>
@@ -3374,7 +3374,7 @@
                 <a:latin typeface="Avenir Book"/>
                 <a:cs typeface="Avenir Book"/>
               </a:rPr>
-              <a:t>Planing</a:t>
+              <a:t>Planning</a:t>
             </a:r>
             <a:r>
               <a:rPr lang="de-DE" sz="900" dirty="0">
@@ -3384,7 +3384,7 @@
                 <a:latin typeface="Avenir Book"/>
                 <a:cs typeface="Avenir Book"/>
               </a:rPr>
-              <a:t>“ ist eines der </a:t>
+              <a:t>“ (</a:t>
             </a:r>
             <a:r>
               <a:rPr lang="de-DE" sz="900" dirty="0" err="1">
@@ -3394,7 +3394,7 @@
                 <a:latin typeface="Avenir Book"/>
                 <a:cs typeface="Avenir Book"/>
               </a:rPr>
-              <a:t>Scrumereignisse</a:t>
+              <a:t>Schwaber</a:t>
             </a:r>
             <a:r>
               <a:rPr lang="de-DE" sz="900" dirty="0">
@@ -3404,7 +3404,7 @@
                 <a:latin typeface="Avenir Book"/>
                 <a:cs typeface="Avenir Book"/>
               </a:rPr>
-              <a:t>. Das gesamte </a:t>
+              <a:t>/Sutherland 2020, S. 9) ist eines der </a:t>
             </a:r>
             <a:r>
               <a:rPr lang="de-DE" sz="900" dirty="0" err="1">
@@ -3424,7 +3424,7 @@
                 <a:latin typeface="Avenir Book"/>
                 <a:cs typeface="Avenir Book"/>
               </a:rPr>
-              <a:t> Team trifft sich um den nächsten Sprint (siehe SCR-01) zu besprechen. Dabei wird das Sprint </a:t>
+              <a:t>-Ereignisse. Das gesamte </a:t>
             </a:r>
             <a:r>
               <a:rPr lang="de-DE" sz="900" dirty="0" err="1">
@@ -3434,7 +3434,7 @@
                 <a:latin typeface="Avenir Book"/>
                 <a:cs typeface="Avenir Book"/>
               </a:rPr>
-              <a:t>Backlog</a:t>
+              <a:t>Scrum</a:t>
             </a:r>
             <a:r>
               <a:rPr lang="de-DE" sz="900" dirty="0">
@@ -3444,7 +3444,7 @@
                 <a:latin typeface="Avenir Book"/>
                 <a:cs typeface="Avenir Book"/>
               </a:rPr>
-              <a:t> </a:t>
+              <a:t> Team trifft sich um den nächsten Sprint (siehe SCR 01) zu planen. Dabei wird das Sprint Backlog befüllt und somit festgelegt, welche Arbeit im nächsten Sprint voraussichtlich getan werden kann. </a:t>
             </a:r>
             <a:r>
               <a:rPr lang="de-DE" sz="900" dirty="0" err="1">
@@ -3454,7 +3454,7 @@
                 <a:latin typeface="Avenir Book"/>
                 <a:cs typeface="Avenir Book"/>
               </a:rPr>
-              <a:t>befüllt</a:t>
+              <a:t>Em</a:t>
             </a:r>
             <a:r>
               <a:rPr lang="de-DE" sz="900" dirty="0">
@@ -3464,11 +3464,31 @@
                 <a:latin typeface="Avenir Book"/>
                 <a:cs typeface="Avenir Book"/>
               </a:rPr>
-              <a:t> und somit festgelegt, welche Arbeit im nächsten Sprint voraussichtlich getan werden kann.</a:t>
-            </a:r>
-          </a:p>
-          <a:p>
-            <a:pPr lvl="0">
+              <a:t> Ende des Sprint </a:t>
+            </a:r>
+            <a:r>
+              <a:rPr lang="de-DE" sz="900" dirty="0" err="1">
+                <a:solidFill>
+                  <a:srgbClr val="747982"/>
+                </a:solidFill>
+                <a:latin typeface="Avenir Book"/>
+                <a:cs typeface="Avenir Book"/>
+              </a:rPr>
+              <a:t>Plannings</a:t>
+            </a:r>
+            <a:r>
+              <a:rPr lang="de-DE" sz="900" dirty="0">
+                <a:solidFill>
+                  <a:srgbClr val="747982"/>
+                </a:solidFill>
+                <a:latin typeface="Avenir Book"/>
+                <a:cs typeface="Avenir Book"/>
+              </a:rPr>
+              <a:t> steht der Plan für den kommenden Sprint fest.</a:t>
+            </a:r>
+          </a:p>
+          <a:p>
+            <a:pPr lvl="0" algn="just">
               <a:buSzPct val="170000"/>
             </a:pPr>
             <a:endParaRPr lang="de-DE" sz="900" dirty="0">
@@ -3480,7 +3500,7 @@
             </a:endParaRPr>
           </a:p>
           <a:p>
-            <a:pPr marL="271463" lvl="0" indent="-271463">
+            <a:pPr marL="271463" lvl="0" indent="-271463" algn="just">
               <a:buSzPct val="170000"/>
               <a:buBlip>
                 <a:blip r:embed="rId3"/>
@@ -3494,7 +3514,7 @@
                 <a:latin typeface="Avenir Book"/>
                 <a:cs typeface="Avenir Book"/>
               </a:rPr>
-              <a:t>Das Treffen ist </a:t>
+              <a:t>Vor dem Treffen macht sich der </a:t>
             </a:r>
             <a:r>
               <a:rPr lang="de-DE" sz="900" dirty="0" err="1">
@@ -3504,7 +3524,7 @@
                 <a:latin typeface="Avenir Book"/>
                 <a:cs typeface="Avenir Book"/>
               </a:rPr>
-              <a:t>timeboxed</a:t>
+              <a:t>Product</a:t>
             </a:r>
             <a:r>
               <a:rPr lang="de-DE" sz="900" dirty="0">
@@ -3514,7 +3534,7 @@
                 <a:latin typeface="Avenir Book"/>
                 <a:cs typeface="Avenir Book"/>
               </a:rPr>
-              <a:t>. Es ist auf eine Dauer von maximal 8h für 4 Wochen Sprints beschränkt. Bei kürzeren Sprints reduziert sich die </a:t>
+              <a:t> </a:t>
             </a:r>
             <a:r>
               <a:rPr lang="de-DE" sz="900" dirty="0" err="1">
@@ -3524,7 +3544,7 @@
                 <a:latin typeface="Avenir Book"/>
                 <a:cs typeface="Avenir Book"/>
               </a:rPr>
-              <a:t>Timebox</a:t>
+              <a:t>Owner</a:t>
             </a:r>
             <a:r>
               <a:rPr lang="de-DE" sz="900" dirty="0">
@@ -3534,11 +3554,124 @@
                 <a:latin typeface="Avenir Book"/>
                 <a:cs typeface="Avenir Book"/>
               </a:rPr>
-              <a:t> verhältnismäßig.</a:t>
-            </a:r>
-          </a:p>
-          <a:p>
-            <a:pPr lvl="0">
+              <a:t> Gedanken über die Produktvision. Sie wird im gesamten Team diskutiert und als  Sprint-Ziel ins Backlog aufgenommen (vgl. ebd., S. 12).</a:t>
+            </a:r>
+          </a:p>
+          <a:p>
+            <a:pPr lvl="0" algn="just">
+              <a:buSzPct val="170000"/>
+            </a:pPr>
+            <a:r>
+              <a:rPr lang="de-DE" sz="900" dirty="0">
+                <a:solidFill>
+                  <a:srgbClr val="747982"/>
+                </a:solidFill>
+                <a:latin typeface="Avenir Book"/>
+                <a:cs typeface="Avenir Book"/>
+              </a:rPr>
+              <a:t>         Wenn Du in Dein erstes Sprint </a:t>
+            </a:r>
+            <a:r>
+              <a:rPr lang="de-DE" sz="900" dirty="0" err="1">
+                <a:solidFill>
+                  <a:srgbClr val="747982"/>
+                </a:solidFill>
+                <a:latin typeface="Avenir Book"/>
+                <a:cs typeface="Avenir Book"/>
+              </a:rPr>
+              <a:t>Planning</a:t>
+            </a:r>
+            <a:r>
+              <a:rPr lang="de-DE" sz="900" dirty="0">
+                <a:solidFill>
+                  <a:srgbClr val="747982"/>
+                </a:solidFill>
+                <a:latin typeface="Avenir Book"/>
+                <a:cs typeface="Avenir Book"/>
+              </a:rPr>
+              <a:t> gehst, bist Du Dein </a:t>
+            </a:r>
+            <a:r>
+              <a:rPr lang="de-DE" sz="900" dirty="0" err="1">
+                <a:solidFill>
+                  <a:srgbClr val="747982"/>
+                </a:solidFill>
+                <a:latin typeface="Avenir Book"/>
+                <a:cs typeface="Avenir Book"/>
+              </a:rPr>
+              <a:t>Product</a:t>
+            </a:r>
+            <a:r>
+              <a:rPr lang="de-DE" sz="900" dirty="0">
+                <a:solidFill>
+                  <a:srgbClr val="747982"/>
+                </a:solidFill>
+                <a:latin typeface="Avenir Book"/>
+                <a:cs typeface="Avenir Book"/>
+              </a:rPr>
+              <a:t> </a:t>
+            </a:r>
+            <a:r>
+              <a:rPr lang="de-DE" sz="900" dirty="0" err="1">
+                <a:solidFill>
+                  <a:srgbClr val="747982"/>
+                </a:solidFill>
+                <a:latin typeface="Avenir Book"/>
+                <a:cs typeface="Avenir Book"/>
+              </a:rPr>
+              <a:t>Owner</a:t>
+            </a:r>
+            <a:r>
+              <a:rPr lang="de-DE" sz="900" dirty="0">
+                <a:solidFill>
+                  <a:srgbClr val="747982"/>
+                </a:solidFill>
+                <a:latin typeface="Avenir Book"/>
+                <a:cs typeface="Avenir Book"/>
+              </a:rPr>
+              <a:t>. Du musst also wissen, wohin </a:t>
+            </a:r>
+            <a:br>
+              <a:rPr lang="de-DE" sz="900" dirty="0">
+                <a:solidFill>
+                  <a:srgbClr val="747982"/>
+                </a:solidFill>
+                <a:latin typeface="Avenir Book"/>
+                <a:cs typeface="Avenir Book"/>
+              </a:rPr>
+            </a:br>
+            <a:r>
+              <a:rPr lang="de-DE" sz="900" dirty="0">
+                <a:solidFill>
+                  <a:srgbClr val="747982"/>
+                </a:solidFill>
+                <a:latin typeface="Avenir Book"/>
+                <a:cs typeface="Avenir Book"/>
+              </a:rPr>
+              <a:t>         Du mit Deinem Stück willst und solltest ein Sprint-Ziel formulieren können, das andere in </a:t>
+            </a:r>
+            <a:br>
+              <a:rPr lang="de-DE" sz="900" dirty="0">
+                <a:solidFill>
+                  <a:srgbClr val="747982"/>
+                </a:solidFill>
+                <a:latin typeface="Avenir Book"/>
+                <a:cs typeface="Avenir Book"/>
+              </a:rPr>
+            </a:br>
+            <a:r>
+              <a:rPr lang="de-DE" sz="900" dirty="0">
+                <a:solidFill>
+                  <a:srgbClr val="747982"/>
+                </a:solidFill>
+                <a:latin typeface="Avenir Book"/>
+                <a:cs typeface="Avenir Book"/>
+              </a:rPr>
+              <a:t>         Deinem Team verstehen oder sogar mitreißen kann.</a:t>
+            </a:r>
+          </a:p>
+          <a:p>
+            <a:pPr lvl="0" algn="just">
               <a:buSzPct val="170000"/>
             </a:pPr>
             <a:endParaRPr lang="de-DE" sz="900" dirty="0">
@@ -3550,7 +3683,7 @@
             </a:endParaRPr>
           </a:p>
           <a:p>
-            <a:pPr marL="271463" lvl="0" indent="-271463">
+            <a:pPr marL="271463" lvl="0" indent="-271463" algn="just">
               <a:buSzPct val="170000"/>
               <a:buBlip>
                 <a:blip r:embed="rId3"/>
@@ -3564,71 +3697,11 @@
                 <a:latin typeface="Avenir Book"/>
                 <a:cs typeface="Avenir Book"/>
               </a:rPr>
-              <a:t>Vor dem </a:t>
-            </a:r>
-            <a:r>
-              <a:rPr lang="de-DE" sz="900" dirty="0" err="1">
-                <a:solidFill>
-                  <a:srgbClr val="747982"/>
-                </a:solidFill>
-                <a:latin typeface="Avenir Book"/>
-                <a:cs typeface="Avenir Book"/>
-              </a:rPr>
-              <a:t>meeting</a:t>
-            </a:r>
-            <a:r>
-              <a:rPr lang="de-DE" sz="900" dirty="0">
-                <a:solidFill>
-                  <a:srgbClr val="747982"/>
-                </a:solidFill>
-                <a:latin typeface="Avenir Book"/>
-                <a:cs typeface="Avenir Book"/>
-              </a:rPr>
-              <a:t> macht sich der </a:t>
-            </a:r>
-            <a:r>
-              <a:rPr lang="de-DE" sz="900" dirty="0" err="1">
-                <a:solidFill>
-                  <a:srgbClr val="747982"/>
-                </a:solidFill>
-                <a:latin typeface="Avenir Book"/>
-                <a:cs typeface="Avenir Book"/>
-              </a:rPr>
-              <a:t>Product</a:t>
-            </a:r>
-            <a:r>
-              <a:rPr lang="de-DE" sz="900" dirty="0">
-                <a:solidFill>
-                  <a:srgbClr val="747982"/>
-                </a:solidFill>
-                <a:latin typeface="Avenir Book"/>
-                <a:cs typeface="Avenir Book"/>
-              </a:rPr>
-              <a:t> </a:t>
-            </a:r>
-            <a:r>
-              <a:rPr lang="de-DE" sz="900" dirty="0" err="1">
-                <a:solidFill>
-                  <a:srgbClr val="747982"/>
-                </a:solidFill>
-                <a:latin typeface="Avenir Book"/>
-                <a:cs typeface="Avenir Book"/>
-              </a:rPr>
-              <a:t>Owner</a:t>
-            </a:r>
-            <a:r>
-              <a:rPr lang="de-DE" sz="900" dirty="0">
-                <a:solidFill>
-                  <a:srgbClr val="747982"/>
-                </a:solidFill>
-                <a:latin typeface="Avenir Book"/>
-                <a:cs typeface="Avenir Book"/>
-              </a:rPr>
-              <a:t> Gedanken über die Produktvision und bringt sie in die Besprechung mit.</a:t>
-            </a:r>
-          </a:p>
-          <a:p>
-            <a:pPr lvl="0">
+              <a:t>Wenn Du mit anderen Musikern zusammen ein Konzert vorbereitest oder in einer Band, einem Ensemble oder einem Klassenverband musizierst, kann ein gemeinsames Bewusstsein über den Wert eurer Proben entstehen. Eine Diskussion darüber, wohin die gemeinsame Reise mit bestimmten Stücken geht, was das Sprint-Ziel ist, welche Proben-Ziele daraus entstehen und wie genau man diese Ziele erreichen möchte, gibt dem darauf folgenden Üben Substanz und Ausrichtung. </a:t>
+            </a:r>
+          </a:p>
+          <a:p>
+            <a:pPr lvl="0" algn="just">
               <a:buSzPct val="170000"/>
             </a:pPr>
             <a:endParaRPr lang="de-DE" sz="900" dirty="0">
@@ -3640,7 +3713,7 @@
             </a:endParaRPr>
           </a:p>
           <a:p>
-            <a:pPr marL="271463" lvl="0" indent="-271463">
+            <a:pPr marL="271463" lvl="0" indent="-271463" algn="just">
               <a:buSzPct val="170000"/>
               <a:buBlip>
                 <a:blip r:embed="rId3"/>
@@ -3654,7 +3727,7 @@
                 <a:latin typeface="Avenir Book"/>
                 <a:cs typeface="Avenir Book"/>
               </a:rPr>
-              <a:t>Wenn Du in Dein erstes Sprint </a:t>
+              <a:t>Auch wenn in einer Gruppe von </a:t>
             </a:r>
             <a:r>
               <a:rPr lang="de-DE" sz="900" dirty="0" err="1">
@@ -3664,7 +3737,7 @@
                 <a:latin typeface="Avenir Book"/>
                 <a:cs typeface="Avenir Book"/>
               </a:rPr>
-              <a:t>Planing</a:t>
+              <a:t>Kommiliton</a:t>
             </a:r>
             <a:r>
               <a:rPr lang="de-DE" sz="900" dirty="0">
@@ -3674,7 +3747,7 @@
                 <a:latin typeface="Avenir Book"/>
                 <a:cs typeface="Avenir Book"/>
               </a:rPr>
-              <a:t> gehst, bist Du Dein </a:t>
+              <a:t>*innen jede*</a:t>
             </a:r>
             <a:r>
               <a:rPr lang="de-DE" sz="900" dirty="0" err="1">
@@ -3684,7 +3757,7 @@
                 <a:latin typeface="Avenir Book"/>
                 <a:cs typeface="Avenir Book"/>
               </a:rPr>
-              <a:t>Product</a:t>
+              <a:t>r</a:t>
             </a:r>
             <a:r>
               <a:rPr lang="de-DE" sz="900" dirty="0">
@@ -3694,31 +3767,207 @@
                 <a:latin typeface="Avenir Book"/>
                 <a:cs typeface="Avenir Book"/>
               </a:rPr>
-              <a:t> </a:t>
-            </a:r>
-            <a:r>
-              <a:rPr lang="de-DE" sz="900" dirty="0" err="1">
-                <a:solidFill>
-                  <a:srgbClr val="747982"/>
-                </a:solidFill>
-                <a:latin typeface="Avenir Book"/>
-                <a:cs typeface="Avenir Book"/>
-              </a:rPr>
-              <a:t>Owner</a:t>
-            </a:r>
-            <a:r>
-              <a:rPr lang="de-DE" sz="900" dirty="0">
-                <a:solidFill>
-                  <a:srgbClr val="747982"/>
-                </a:solidFill>
-                <a:latin typeface="Avenir Book"/>
-                <a:cs typeface="Avenir Book"/>
-              </a:rPr>
-              <a:t>. Du musst also wissen, wohin Du mit Deinem Stück willst und solltest eine Vision von Deinem Stück formulieren können, die andere in Deinem Team verstehen oder sogar mitreißen kann.</a:t>
-            </a:r>
-          </a:p>
-          <a:p>
-            <a:pPr lvl="0">
+              <a:t> nur für sich selbst plant, kann man durch eine gemeinsame Planung viel von den anderen lernen. Man kommt heraus aus seinem Schneckenhaus, um sich mit der Übe-Realität anderer Musiker abzugleichen. Was schaffen andere in welcher Zeit? Welche Sprint-Ziele legen sie fest? Wann hört jemand auf zu üben? Welche Qualitätsstandards werden eingehalten?</a:t>
+            </a:r>
+          </a:p>
+          <a:p>
+            <a:pPr marL="271463" lvl="0" indent="-271463" algn="just">
+              <a:buSzPct val="170000"/>
+              <a:buBlip>
+                <a:blip r:embed="rId3"/>
+              </a:buBlip>
+            </a:pPr>
+            <a:endParaRPr lang="de-DE" sz="900" dirty="0">
+              <a:solidFill>
+                <a:srgbClr val="747982"/>
+              </a:solidFill>
+              <a:latin typeface="Avenir Book"/>
+              <a:cs typeface="Avenir Book"/>
+            </a:endParaRPr>
+          </a:p>
+          <a:p>
+            <a:pPr lvl="0" algn="just">
+              <a:buSzPct val="170000"/>
+            </a:pPr>
+            <a:endParaRPr lang="de-DE" sz="800" dirty="0">
+              <a:solidFill>
+                <a:srgbClr val="747982"/>
+              </a:solidFill>
+              <a:latin typeface="Avenir Book"/>
+              <a:cs typeface="Avenir Book"/>
+            </a:endParaRPr>
+          </a:p>
+          <a:p>
+            <a:pPr algn="just">
+              <a:buSzPct val="170000"/>
+            </a:pPr>
+            <a:r>
+              <a:rPr lang="de-DE" sz="800" dirty="0">
+                <a:solidFill>
+                  <a:schemeClr val="tx1">
+                    <a:lumMod val="65000"/>
+                    <a:lumOff val="35000"/>
+                  </a:schemeClr>
+                </a:solidFill>
+              </a:rPr>
+              <a:t>Quelle: </a:t>
+            </a:r>
+            <a:r>
+              <a:rPr lang="de-DE" sz="800" b="1" dirty="0" err="1">
+                <a:solidFill>
+                  <a:schemeClr val="tx1">
+                    <a:lumMod val="65000"/>
+                    <a:lumOff val="35000"/>
+                  </a:schemeClr>
+                </a:solidFill>
+              </a:rPr>
+              <a:t>Schwaber</a:t>
+            </a:r>
+            <a:r>
+              <a:rPr lang="de-DE" sz="800" dirty="0">
+                <a:solidFill>
+                  <a:schemeClr val="tx1">
+                    <a:lumMod val="65000"/>
+                    <a:lumOff val="35000"/>
+                  </a:schemeClr>
+                </a:solidFill>
+              </a:rPr>
+              <a:t>, Ken/Sutherland, Jeff (2020): Der </a:t>
+            </a:r>
+            <a:r>
+              <a:rPr lang="de-DE" sz="800" dirty="0" err="1">
+                <a:solidFill>
+                  <a:schemeClr val="tx1">
+                    <a:lumMod val="65000"/>
+                    <a:lumOff val="35000"/>
+                  </a:schemeClr>
+                </a:solidFill>
+              </a:rPr>
+              <a:t>Scrum</a:t>
+            </a:r>
+            <a:r>
+              <a:rPr lang="de-DE" sz="800" dirty="0">
+                <a:solidFill>
+                  <a:schemeClr val="tx1">
+                    <a:lumMod val="65000"/>
+                    <a:lumOff val="35000"/>
+                  </a:schemeClr>
+                </a:solidFill>
+              </a:rPr>
+              <a:t> Guide. Der gültige Leitfaden für </a:t>
+            </a:r>
+            <a:r>
+              <a:rPr lang="de-DE" sz="800" dirty="0" err="1">
+                <a:solidFill>
+                  <a:schemeClr val="tx1">
+                    <a:lumMod val="65000"/>
+                    <a:lumOff val="35000"/>
+                  </a:schemeClr>
+                </a:solidFill>
+              </a:rPr>
+              <a:t>Scrum</a:t>
+            </a:r>
+            <a:r>
+              <a:rPr lang="de-DE" sz="800" dirty="0">
+                <a:solidFill>
+                  <a:schemeClr val="tx1">
+                    <a:lumMod val="65000"/>
+                    <a:lumOff val="35000"/>
+                  </a:schemeClr>
+                </a:solidFill>
+              </a:rPr>
+              <a:t>: Die Spielregeln.  http://</a:t>
+            </a:r>
+            <a:r>
+              <a:rPr lang="de-DE" sz="800" dirty="0" err="1">
+                <a:solidFill>
+                  <a:schemeClr val="tx1">
+                    <a:lumMod val="65000"/>
+                    <a:lumOff val="35000"/>
+                  </a:schemeClr>
+                </a:solidFill>
+              </a:rPr>
+              <a:t>scrumguides.org</a:t>
+            </a:r>
+            <a:r>
+              <a:rPr lang="de-DE" sz="800" dirty="0">
+                <a:solidFill>
+                  <a:schemeClr val="tx1">
+                    <a:lumMod val="65000"/>
+                    <a:lumOff val="35000"/>
+                  </a:schemeClr>
+                </a:solidFill>
+              </a:rPr>
+              <a:t>/</a:t>
+            </a:r>
+            <a:r>
+              <a:rPr lang="de-DE" sz="800" dirty="0" err="1">
+                <a:solidFill>
+                  <a:schemeClr val="tx1">
+                    <a:lumMod val="65000"/>
+                    <a:lumOff val="35000"/>
+                  </a:schemeClr>
+                </a:solidFill>
+              </a:rPr>
+              <a:t>docs</a:t>
+            </a:r>
+            <a:r>
+              <a:rPr lang="de-DE" sz="800" dirty="0">
+                <a:solidFill>
+                  <a:schemeClr val="tx1">
+                    <a:lumMod val="65000"/>
+                    <a:lumOff val="35000"/>
+                  </a:schemeClr>
+                </a:solidFill>
+              </a:rPr>
+              <a:t>/   </a:t>
+            </a:r>
+            <a:br>
+              <a:rPr lang="de-DE" sz="800" dirty="0">
+                <a:solidFill>
+                  <a:schemeClr val="tx1">
+                    <a:lumMod val="65000"/>
+                    <a:lumOff val="35000"/>
+                  </a:schemeClr>
+                </a:solidFill>
+              </a:rPr>
+            </a:br>
+            <a:r>
+              <a:rPr lang="de-DE" sz="800" dirty="0">
+                <a:solidFill>
+                  <a:schemeClr val="tx1">
+                    <a:lumMod val="65000"/>
+                    <a:lumOff val="35000"/>
+                  </a:schemeClr>
+                </a:solidFill>
+              </a:rPr>
+              <a:t>                  </a:t>
+            </a:r>
+            <a:r>
+              <a:rPr lang="de-DE" sz="800" dirty="0" err="1">
+                <a:solidFill>
+                  <a:schemeClr val="tx1">
+                    <a:lumMod val="65000"/>
+                    <a:lumOff val="35000"/>
+                  </a:schemeClr>
+                </a:solidFill>
+              </a:rPr>
+              <a:t>scrumguide</a:t>
+            </a:r>
+            <a:r>
+              <a:rPr lang="de-DE" sz="800" dirty="0">
+                <a:solidFill>
+                  <a:schemeClr val="tx1">
+                    <a:lumMod val="65000"/>
+                    <a:lumOff val="35000"/>
+                  </a:schemeClr>
+                </a:solidFill>
+              </a:rPr>
+              <a:t>/v2020/2020-Scrum-Guide-German.pdf. Abgerufen am 25. Juli 2024</a:t>
+            </a:r>
+          </a:p>
+          <a:p>
+            <a:pPr lvl="0" algn="just">
               <a:buSzPct val="170000"/>
             </a:pPr>
             <a:endParaRPr lang="de-DE" sz="900" dirty="0">
@@ -3730,95 +3979,7 @@
             </a:endParaRPr>
           </a:p>
           <a:p>
-            <a:pPr marL="271463" lvl="0" indent="-271463">
-              <a:buSzPct val="170000"/>
-              <a:buBlip>
-                <a:blip r:embed="rId3"/>
-              </a:buBlip>
-            </a:pPr>
-            <a:r>
-              <a:rPr lang="de-DE" sz="900" dirty="0">
-                <a:solidFill>
-                  <a:srgbClr val="747982"/>
-                </a:solidFill>
-                <a:latin typeface="Avenir Book"/>
-                <a:cs typeface="Avenir Book"/>
-              </a:rPr>
-              <a:t>Wenn Du mit anderen Musikern zusammen ein Konzert vorbereitest oder in einer Band, einem Ensemble oder einem Klassenverband musizierst kann ein gemeinsames Qualitätsbewusstsein für Eure Vorträge entstehen. Eine Diskussion darüber, wohin die gemeinsame Reise mit einem bestimmten Stück geht, was das dahinterstehende Ziel oder der Traum ist, warum man dieses Stück musiziert und wie man sich den Weg dorthin vorstellt, gibt dem nachstehenden Üben Substanz und ein Fundament. </a:t>
-            </a:r>
-          </a:p>
-          <a:p>
-            <a:pPr lvl="0">
-              <a:buSzPct val="170000"/>
-            </a:pPr>
-            <a:endParaRPr lang="de-DE" sz="900" dirty="0">
-              <a:solidFill>
-                <a:srgbClr val="747982"/>
-              </a:solidFill>
-              <a:latin typeface="Avenir Book"/>
-              <a:cs typeface="Avenir Book"/>
-            </a:endParaRPr>
-          </a:p>
-          <a:p>
-            <a:pPr marL="271463" lvl="0" indent="-271463">
-              <a:buSzPct val="170000"/>
-              <a:buBlip>
-                <a:blip r:embed="rId3"/>
-              </a:buBlip>
-            </a:pPr>
-            <a:r>
-              <a:rPr lang="de-DE" sz="900" dirty="0">
-                <a:solidFill>
-                  <a:srgbClr val="747982"/>
-                </a:solidFill>
-                <a:latin typeface="Avenir Book"/>
-                <a:cs typeface="Avenir Book"/>
-              </a:rPr>
-              <a:t>Durch die gemeinsame Planung wird man mitverantwortlich für den </a:t>
-            </a:r>
-            <a:r>
-              <a:rPr lang="de-DE" sz="900" dirty="0" err="1">
-                <a:solidFill>
-                  <a:srgbClr val="747982"/>
-                </a:solidFill>
-                <a:latin typeface="Avenir Book"/>
-                <a:cs typeface="Avenir Book"/>
-              </a:rPr>
-              <a:t>Übeprozess</a:t>
-            </a:r>
-            <a:r>
-              <a:rPr lang="de-DE" sz="900" dirty="0">
-                <a:solidFill>
-                  <a:srgbClr val="747982"/>
-                </a:solidFill>
-                <a:latin typeface="Avenir Book"/>
-                <a:cs typeface="Avenir Book"/>
-              </a:rPr>
-              <a:t> der anderen. Man kommt heraus aus seinem Schneckenhaus um sich mit der </a:t>
-            </a:r>
-            <a:r>
-              <a:rPr lang="de-DE" sz="900" dirty="0" err="1">
-                <a:solidFill>
-                  <a:srgbClr val="747982"/>
-                </a:solidFill>
-                <a:latin typeface="Avenir Book"/>
-                <a:cs typeface="Avenir Book"/>
-              </a:rPr>
-              <a:t>Überealität</a:t>
-            </a:r>
-            <a:r>
-              <a:rPr lang="de-DE" sz="900" dirty="0">
-                <a:solidFill>
-                  <a:srgbClr val="747982"/>
-                </a:solidFill>
-                <a:latin typeface="Avenir Book"/>
-                <a:cs typeface="Avenir Book"/>
-              </a:rPr>
-              <a:t> anderer Musiker abzugleichen. Was schaffen andere in welcher Zeit? Wann hört jemand auf zu üben, weil sie für ihn fertig ist? Welche Qualitätsstandards werden eingehalten?</a:t>
-            </a:r>
-          </a:p>
-          <a:p>
-            <a:pPr lvl="0">
+            <a:pPr lvl="0" algn="just">
               <a:buSzPct val="170000"/>
             </a:pPr>
             <a:endParaRPr lang="de-DE" sz="900" dirty="0">
@@ -4151,7 +4312,7 @@
         <p:spPr>
           <a:xfrm>
             <a:off x="865450" y="1584056"/>
-            <a:ext cx="5942053" cy="2092881"/>
+            <a:ext cx="5942053" cy="2400657"/>
           </a:xfrm>
           <a:prstGeom prst="rect">
             <a:avLst/>
@@ -4169,7 +4330,7 @@
           </a:bodyPr>
           <a:lstStyle/>
           <a:p>
-            <a:pPr marL="271463" indent="-271463">
+            <a:pPr marL="271463" indent="-271463" algn="just">
               <a:buSzPct val="170000"/>
               <a:buBlip>
                 <a:blip r:embed="rId3"/>
@@ -4183,11 +4344,11 @@
                 <a:latin typeface="Avenir Book"/>
                 <a:cs typeface="Avenir Book"/>
               </a:rPr>
-              <a:t>Setze mit Deinem Team vor Deinen nächsten beiden Sprints (siehe SCR 01) jeweils ein Treffen zur Sprintplanung an. Gebt Euch gegenseitig Feedback über die Machbarkeit der geplanten Aufgaben in der angesetzten Zeit. Sprecht über eure „Produktvision“ und gleicht Euer Qualitätsbewusstsein ab.</a:t>
-            </a:r>
-          </a:p>
-          <a:p>
-            <a:pPr>
+              <a:t>Setze mit Deinem Team vor Deinen nächsten beiden Sprints (siehe SCR 01) jeweils ein Treffen zur Sprintplanung an. Gebt Euch gegenseitig Feedback über die Machbarkeit der geplanten Aufgaben in der angesetzten Zeit. Sprecht über eure Sprint-Ziele und gleicht Euer Qualitätsbewusstsein ab.</a:t>
+            </a:r>
+          </a:p>
+          <a:p>
+            <a:pPr algn="just">
               <a:buSzPct val="170000"/>
             </a:pPr>
             <a:endParaRPr lang="de-DE" sz="1000" dirty="0">
@@ -4199,7 +4360,7 @@
             </a:endParaRPr>
           </a:p>
           <a:p>
-            <a:pPr marL="271463" indent="-271463">
+            <a:pPr marL="271463" indent="-271463" algn="just">
               <a:buSzPct val="170000"/>
               <a:buBlip>
                 <a:blip r:embed="rId3"/>
@@ -4237,7 +4398,7 @@
             </a:r>
           </a:p>
           <a:p>
-            <a:pPr>
+            <a:pPr algn="just">
               <a:buSzPct val="170000"/>
             </a:pPr>
             <a:endParaRPr lang="de-DE" sz="1000" dirty="0">
@@ -4249,7 +4410,7 @@
             </a:endParaRPr>
           </a:p>
           <a:p>
-            <a:pPr marL="271463" indent="-271463">
+            <a:pPr marL="271463" indent="-271463" algn="just">
               <a:buSzPct val="170000"/>
               <a:buBlip>
                 <a:blip r:embed="rId3"/>
@@ -4263,16 +4424,36 @@
                 <a:latin typeface="Avenir Book"/>
                 <a:cs typeface="Avenir Book"/>
               </a:rPr>
-              <a:t>Vor Deinem aller ersten Sprint </a:t>
-            </a:r>
-            <a:r>
-              <a:rPr lang="de-DE" sz="1000">
+              <a:t>Das Sprint </a:t>
+            </a:r>
+            <a:r>
+              <a:rPr lang="de-DE" sz="1000" dirty="0" err="1">
                 <a:solidFill>
                   <a:srgbClr val="747982"/>
                 </a:solidFill>
                 <a:latin typeface="Avenir Book"/>
                 <a:cs typeface="Avenir Book"/>
               </a:rPr>
+              <a:t>Planning</a:t>
+            </a:r>
+            <a:r>
+              <a:rPr lang="de-DE" sz="1000" dirty="0">
+                <a:solidFill>
+                  <a:srgbClr val="747982"/>
+                </a:solidFill>
+                <a:latin typeface="Avenir Book"/>
+                <a:cs typeface="Avenir Book"/>
+              </a:rPr>
+              <a:t> kann und sollte mit anderen Trainingskarten trainiert werden, die damit in Zusammenhang stehen. Vor Deinem aller ersten Sprint </a:t>
+            </a:r>
+            <a:r>
+              <a:rPr lang="de-DE" sz="1000" dirty="0" err="1">
+                <a:solidFill>
+                  <a:srgbClr val="747982"/>
+                </a:solidFill>
+                <a:latin typeface="Avenir Book"/>
+                <a:cs typeface="Avenir Book"/>
+              </a:rPr>
               <a:t>Planing</a:t>
             </a:r>
             <a:r>
@@ -4283,7 +4464,7 @@
                 <a:latin typeface="Avenir Book"/>
                 <a:cs typeface="Avenir Book"/>
               </a:rPr>
-              <a:t> solltest Du ein Treffen organisieren, in dem Ihr Euch über eure Definition </a:t>
+              <a:t> kannst Du beispielsweise ein Treffen organisieren, in dem Ihr über Eure Definition </a:t>
             </a:r>
             <a:r>
               <a:rPr lang="de-DE" sz="1000" dirty="0" err="1">
@@ -4323,7 +4504,7 @@
                 <a:latin typeface="Avenir Book"/>
                 <a:cs typeface="Avenir Book"/>
               </a:rPr>
-              <a:t> (siehe SCR 04) unterhaltet um herauszufinden, was für Euch die Stadien sind, durch die eine Phrase (siehe SCR 03) laufen muss.</a:t>
+              <a:t> (siehe SCR 04) diskutiert, um herauszufinden, was Eure Qualitätsstandards sind und wann ihr definiert mit Eurer Arbeit fertig zu sein.</a:t>
             </a:r>
           </a:p>
         </p:txBody>
@@ -4398,7 +4579,7 @@
           </a:ln>
           <a:extLst>
             <a:ext uri="{C572A759-6A51-4108-AA02-DFA0A04FC94B}">
-              <ma14:wrappingTextBoxFlag xmlns="" xmlns:ma14="http://schemas.microsoft.com/office/mac/drawingml/2011/main" val="1"/>
+              <ma14:wrappingTextBoxFlag xmlns:ma14="http://schemas.microsoft.com/office/mac/drawingml/2011/main" xmlns="" val="1"/>
             </a:ext>
           </a:extLst>
         </p:spPr>
